--- a/lec/language_models/figs/nn.pptx
+++ b/lec/language_models/figs/nn.pptx
@@ -11,6 +11,11 @@
     <p:sldId id="258" r:id="rId5"/>
     <p:sldId id="261" r:id="rId6"/>
     <p:sldId id="259" r:id="rId7"/>
+    <p:sldId id="262" r:id="rId8"/>
+    <p:sldId id="263" r:id="rId9"/>
+    <p:sldId id="264" r:id="rId10"/>
+    <p:sldId id="266" r:id="rId11"/>
+    <p:sldId id="265" r:id="rId12"/>
   </p:sldIdLst>
   <p:sldSz cx="12192000" cy="6858000"/>
   <p:notesSz cx="6858000" cy="9144000"/>
@@ -246,7 +251,7 @@
           <a:p>
             <a:fld id="{A9FD5365-C90E-B74F-8CCD-7AC64661D3DB}" type="datetimeFigureOut">
               <a:rPr lang="en-US" smtClean="0"/>
-              <a:t>2/8/21</a:t>
+              <a:t>2/11/21</a:t>
             </a:fld>
             <a:endParaRPr lang="en-US"/>
           </a:p>
@@ -414,7 +419,7 @@
           <a:p>
             <a:fld id="{A9FD5365-C90E-B74F-8CCD-7AC64661D3DB}" type="datetimeFigureOut">
               <a:rPr lang="en-US" smtClean="0"/>
-              <a:t>2/8/21</a:t>
+              <a:t>2/11/21</a:t>
             </a:fld>
             <a:endParaRPr lang="en-US"/>
           </a:p>
@@ -592,7 +597,7 @@
           <a:p>
             <a:fld id="{A9FD5365-C90E-B74F-8CCD-7AC64661D3DB}" type="datetimeFigureOut">
               <a:rPr lang="en-US" smtClean="0"/>
-              <a:t>2/8/21</a:t>
+              <a:t>2/11/21</a:t>
             </a:fld>
             <a:endParaRPr lang="en-US"/>
           </a:p>
@@ -760,7 +765,7 @@
           <a:p>
             <a:fld id="{A9FD5365-C90E-B74F-8CCD-7AC64661D3DB}" type="datetimeFigureOut">
               <a:rPr lang="en-US" smtClean="0"/>
-              <a:t>2/8/21</a:t>
+              <a:t>2/11/21</a:t>
             </a:fld>
             <a:endParaRPr lang="en-US"/>
           </a:p>
@@ -1005,7 +1010,7 @@
           <a:p>
             <a:fld id="{A9FD5365-C90E-B74F-8CCD-7AC64661D3DB}" type="datetimeFigureOut">
               <a:rPr lang="en-US" smtClean="0"/>
-              <a:t>2/8/21</a:t>
+              <a:t>2/11/21</a:t>
             </a:fld>
             <a:endParaRPr lang="en-US"/>
           </a:p>
@@ -1234,7 +1239,7 @@
           <a:p>
             <a:fld id="{A9FD5365-C90E-B74F-8CCD-7AC64661D3DB}" type="datetimeFigureOut">
               <a:rPr lang="en-US" smtClean="0"/>
-              <a:t>2/8/21</a:t>
+              <a:t>2/11/21</a:t>
             </a:fld>
             <a:endParaRPr lang="en-US"/>
           </a:p>
@@ -1598,7 +1603,7 @@
           <a:p>
             <a:fld id="{A9FD5365-C90E-B74F-8CCD-7AC64661D3DB}" type="datetimeFigureOut">
               <a:rPr lang="en-US" smtClean="0"/>
-              <a:t>2/8/21</a:t>
+              <a:t>2/11/21</a:t>
             </a:fld>
             <a:endParaRPr lang="en-US"/>
           </a:p>
@@ -1715,7 +1720,7 @@
           <a:p>
             <a:fld id="{A9FD5365-C90E-B74F-8CCD-7AC64661D3DB}" type="datetimeFigureOut">
               <a:rPr lang="en-US" smtClean="0"/>
-              <a:t>2/8/21</a:t>
+              <a:t>2/11/21</a:t>
             </a:fld>
             <a:endParaRPr lang="en-US"/>
           </a:p>
@@ -1810,7 +1815,7 @@
           <a:p>
             <a:fld id="{A9FD5365-C90E-B74F-8CCD-7AC64661D3DB}" type="datetimeFigureOut">
               <a:rPr lang="en-US" smtClean="0"/>
-              <a:t>2/8/21</a:t>
+              <a:t>2/11/21</a:t>
             </a:fld>
             <a:endParaRPr lang="en-US"/>
           </a:p>
@@ -2085,7 +2090,7 @@
           <a:p>
             <a:fld id="{A9FD5365-C90E-B74F-8CCD-7AC64661D3DB}" type="datetimeFigureOut">
               <a:rPr lang="en-US" smtClean="0"/>
-              <a:t>2/8/21</a:t>
+              <a:t>2/11/21</a:t>
             </a:fld>
             <a:endParaRPr lang="en-US"/>
           </a:p>
@@ -2337,7 +2342,7 @@
           <a:p>
             <a:fld id="{A9FD5365-C90E-B74F-8CCD-7AC64661D3DB}" type="datetimeFigureOut">
               <a:rPr lang="en-US" smtClean="0"/>
-              <a:t>2/8/21</a:t>
+              <a:t>2/11/21</a:t>
             </a:fld>
             <a:endParaRPr lang="en-US"/>
           </a:p>
@@ -2548,7 +2553,7 @@
           <a:p>
             <a:fld id="{A9FD5365-C90E-B74F-8CCD-7AC64661D3DB}" type="datetimeFigureOut">
               <a:rPr lang="en-US" smtClean="0"/>
-              <a:t>2/8/21</a:t>
+              <a:t>2/11/21</a:t>
             </a:fld>
             <a:endParaRPr lang="en-US"/>
           </a:p>
@@ -4852,6 +4857,2306 @@
 </p:sld>
 </file>
 
+<file path=ppt/slides/slide10.xml><?xml version="1.0" encoding="utf-8"?>
+<p:sld xmlns:a="http://schemas.openxmlformats.org/drawingml/2006/main" xmlns:r="http://schemas.openxmlformats.org/officeDocument/2006/relationships" xmlns:p="http://schemas.openxmlformats.org/presentationml/2006/main">
+  <p:cSld>
+    <p:spTree>
+      <p:nvGrpSpPr>
+        <p:cNvPr id="1" name=""/>
+        <p:cNvGrpSpPr/>
+        <p:nvPr/>
+      </p:nvGrpSpPr>
+      <p:grpSpPr>
+        <a:xfrm>
+          <a:off x="0" y="0"/>
+          <a:ext cx="0" cy="0"/>
+          <a:chOff x="0" y="0"/>
+          <a:chExt cx="0" cy="0"/>
+        </a:xfrm>
+      </p:grpSpPr>
+      <p:sp>
+        <p:nvSpPr>
+          <p:cNvPr id="15" name="Oval 14">
+            <a:extLst>
+              <a:ext uri="{FF2B5EF4-FFF2-40B4-BE49-F238E27FC236}">
+                <a16:creationId xmlns:a16="http://schemas.microsoft.com/office/drawing/2014/main" id="{5B18B3F0-0B39-4549-879E-473A79C4F7DA}"/>
+              </a:ext>
+            </a:extLst>
+          </p:cNvPr>
+          <p:cNvSpPr/>
+          <p:nvPr/>
+        </p:nvSpPr>
+        <p:spPr>
+          <a:xfrm>
+            <a:off x="1623236" y="3491753"/>
+            <a:ext cx="403761" cy="1761900"/>
+          </a:xfrm>
+          <a:prstGeom prst="ellipse">
+            <a:avLst/>
+          </a:prstGeom>
+          <a:noFill/>
+          <a:ln>
+            <a:solidFill>
+              <a:schemeClr val="tx1"/>
+            </a:solidFill>
+          </a:ln>
+        </p:spPr>
+        <p:style>
+          <a:lnRef idx="2">
+            <a:schemeClr val="accent1">
+              <a:shade val="50000"/>
+            </a:schemeClr>
+          </a:lnRef>
+          <a:fillRef idx="1">
+            <a:schemeClr val="accent1"/>
+          </a:fillRef>
+          <a:effectRef idx="0">
+            <a:schemeClr val="accent1"/>
+          </a:effectRef>
+          <a:fontRef idx="minor">
+            <a:schemeClr val="lt1"/>
+          </a:fontRef>
+        </p:style>
+        <p:txBody>
+          <a:bodyPr rtlCol="0" anchor="ctr"/>
+          <a:lstStyle/>
+          <a:p>
+            <a:pPr algn="ctr"/>
+            <a:endParaRPr lang="en-US"/>
+          </a:p>
+        </p:txBody>
+      </p:sp>
+      <p:sp>
+        <p:nvSpPr>
+          <p:cNvPr id="18" name="TextBox 17">
+            <a:extLst>
+              <a:ext uri="{FF2B5EF4-FFF2-40B4-BE49-F238E27FC236}">
+                <a16:creationId xmlns:a16="http://schemas.microsoft.com/office/drawing/2014/main" id="{20A50958-159E-3D47-A91D-ADB56005FE49}"/>
+              </a:ext>
+            </a:extLst>
+          </p:cNvPr>
+          <p:cNvSpPr txBox="1"/>
+          <p:nvPr/>
+        </p:nvSpPr>
+        <p:spPr>
+          <a:xfrm>
+            <a:off x="1561036" y="5257324"/>
+            <a:ext cx="465961" cy="369332"/>
+          </a:xfrm>
+          <a:prstGeom prst="rect">
+            <a:avLst/>
+          </a:prstGeom>
+          <a:noFill/>
+        </p:spPr>
+        <p:txBody>
+          <a:bodyPr wrap="none" rtlCol="0">
+            <a:spAutoFit/>
+          </a:bodyPr>
+          <a:lstStyle/>
+          <a:p>
+            <a:r>
+              <a:rPr lang="en-US" dirty="0"/>
+              <a:t>cat</a:t>
+            </a:r>
+          </a:p>
+        </p:txBody>
+      </p:sp>
+      <p:sp>
+        <p:nvSpPr>
+          <p:cNvPr id="28" name="TextBox 27">
+            <a:extLst>
+              <a:ext uri="{FF2B5EF4-FFF2-40B4-BE49-F238E27FC236}">
+                <a16:creationId xmlns:a16="http://schemas.microsoft.com/office/drawing/2014/main" id="{81F2755B-A201-FC4A-9F7D-E0D142E664C1}"/>
+              </a:ext>
+            </a:extLst>
+          </p:cNvPr>
+          <p:cNvSpPr txBox="1"/>
+          <p:nvPr/>
+        </p:nvSpPr>
+        <p:spPr>
+          <a:xfrm>
+            <a:off x="1355681" y="3199858"/>
+            <a:ext cx="899542" cy="369332"/>
+          </a:xfrm>
+          <a:prstGeom prst="rect">
+            <a:avLst/>
+          </a:prstGeom>
+          <a:noFill/>
+        </p:spPr>
+        <p:txBody>
+          <a:bodyPr wrap="none" rtlCol="0">
+            <a:spAutoFit/>
+          </a:bodyPr>
+          <a:lstStyle/>
+          <a:p>
+            <a:r>
+              <a:rPr lang="en-US" b="1" dirty="0">
+                <a:solidFill>
+                  <a:schemeClr val="accent1"/>
+                </a:solidFill>
+              </a:rPr>
+              <a:t>context</a:t>
+            </a:r>
+          </a:p>
+        </p:txBody>
+      </p:sp>
+      <p:sp>
+        <p:nvSpPr>
+          <p:cNvPr id="3" name="TextBox 2">
+            <a:extLst>
+              <a:ext uri="{FF2B5EF4-FFF2-40B4-BE49-F238E27FC236}">
+                <a16:creationId xmlns:a16="http://schemas.microsoft.com/office/drawing/2014/main" id="{88C17DB2-A5D3-7647-AEA3-2AD4C180CEFD}"/>
+              </a:ext>
+            </a:extLst>
+          </p:cNvPr>
+          <p:cNvSpPr txBox="1"/>
+          <p:nvPr/>
+        </p:nvSpPr>
+        <p:spPr>
+          <a:xfrm>
+            <a:off x="1608293" y="4188037"/>
+            <a:ext cx="418704" cy="369332"/>
+          </a:xfrm>
+          <a:prstGeom prst="rect">
+            <a:avLst/>
+          </a:prstGeom>
+          <a:noFill/>
+        </p:spPr>
+        <p:txBody>
+          <a:bodyPr wrap="none" rtlCol="0">
+            <a:spAutoFit/>
+          </a:bodyPr>
+          <a:lstStyle/>
+          <a:p>
+            <a:r>
+              <a:rPr lang="en-US" dirty="0"/>
+              <a:t>30</a:t>
+            </a:r>
+          </a:p>
+        </p:txBody>
+      </p:sp>
+      <p:sp>
+        <p:nvSpPr>
+          <p:cNvPr id="17" name="Oval 16">
+            <a:extLst>
+              <a:ext uri="{FF2B5EF4-FFF2-40B4-BE49-F238E27FC236}">
+                <a16:creationId xmlns:a16="http://schemas.microsoft.com/office/drawing/2014/main" id="{DCAB5CE2-2965-2A41-BC8B-99EE9BF71AAF}"/>
+              </a:ext>
+            </a:extLst>
+          </p:cNvPr>
+          <p:cNvSpPr/>
+          <p:nvPr/>
+        </p:nvSpPr>
+        <p:spPr>
+          <a:xfrm>
+            <a:off x="1603572" y="927202"/>
+            <a:ext cx="403761" cy="1761900"/>
+          </a:xfrm>
+          <a:prstGeom prst="ellipse">
+            <a:avLst/>
+          </a:prstGeom>
+          <a:noFill/>
+          <a:ln>
+            <a:solidFill>
+              <a:schemeClr val="tx1"/>
+            </a:solidFill>
+          </a:ln>
+        </p:spPr>
+        <p:style>
+          <a:lnRef idx="2">
+            <a:schemeClr val="accent1">
+              <a:shade val="50000"/>
+            </a:schemeClr>
+          </a:lnRef>
+          <a:fillRef idx="1">
+            <a:schemeClr val="accent1"/>
+          </a:fillRef>
+          <a:effectRef idx="0">
+            <a:schemeClr val="accent1"/>
+          </a:effectRef>
+          <a:fontRef idx="minor">
+            <a:schemeClr val="lt1"/>
+          </a:fontRef>
+        </p:style>
+        <p:txBody>
+          <a:bodyPr rtlCol="0" anchor="ctr"/>
+          <a:lstStyle/>
+          <a:p>
+            <a:pPr algn="ctr"/>
+            <a:endParaRPr lang="en-US"/>
+          </a:p>
+        </p:txBody>
+      </p:sp>
+      <p:sp>
+        <p:nvSpPr>
+          <p:cNvPr id="19" name="TextBox 18">
+            <a:extLst>
+              <a:ext uri="{FF2B5EF4-FFF2-40B4-BE49-F238E27FC236}">
+                <a16:creationId xmlns:a16="http://schemas.microsoft.com/office/drawing/2014/main" id="{1E068A86-623D-BB4E-AC26-A187056949CD}"/>
+              </a:ext>
+            </a:extLst>
+          </p:cNvPr>
+          <p:cNvSpPr txBox="1"/>
+          <p:nvPr/>
+        </p:nvSpPr>
+        <p:spPr>
+          <a:xfrm>
+            <a:off x="1541372" y="2692773"/>
+            <a:ext cx="537327" cy="369332"/>
+          </a:xfrm>
+          <a:prstGeom prst="rect">
+            <a:avLst/>
+          </a:prstGeom>
+          <a:noFill/>
+        </p:spPr>
+        <p:txBody>
+          <a:bodyPr wrap="none" rtlCol="0">
+            <a:spAutoFit/>
+          </a:bodyPr>
+          <a:lstStyle/>
+          <a:p>
+            <a:r>
+              <a:rPr lang="en-US" dirty="0"/>
+              <a:t>bee</a:t>
+            </a:r>
+          </a:p>
+        </p:txBody>
+      </p:sp>
+      <p:sp>
+        <p:nvSpPr>
+          <p:cNvPr id="24" name="TextBox 23">
+            <a:extLst>
+              <a:ext uri="{FF2B5EF4-FFF2-40B4-BE49-F238E27FC236}">
+                <a16:creationId xmlns:a16="http://schemas.microsoft.com/office/drawing/2014/main" id="{F96754C3-A407-7546-B27C-527220B8FB17}"/>
+              </a:ext>
+            </a:extLst>
+          </p:cNvPr>
+          <p:cNvSpPr txBox="1"/>
+          <p:nvPr/>
+        </p:nvSpPr>
+        <p:spPr>
+          <a:xfrm>
+            <a:off x="1588629" y="1623486"/>
+            <a:ext cx="418704" cy="369332"/>
+          </a:xfrm>
+          <a:prstGeom prst="rect">
+            <a:avLst/>
+          </a:prstGeom>
+          <a:noFill/>
+        </p:spPr>
+        <p:txBody>
+          <a:bodyPr wrap="none" rtlCol="0">
+            <a:spAutoFit/>
+          </a:bodyPr>
+          <a:lstStyle/>
+          <a:p>
+            <a:r>
+              <a:rPr lang="en-US" dirty="0"/>
+              <a:t>30</a:t>
+            </a:r>
+          </a:p>
+        </p:txBody>
+      </p:sp>
+      <p:sp>
+        <p:nvSpPr>
+          <p:cNvPr id="30" name="Oval 29">
+            <a:extLst>
+              <a:ext uri="{FF2B5EF4-FFF2-40B4-BE49-F238E27FC236}">
+                <a16:creationId xmlns:a16="http://schemas.microsoft.com/office/drawing/2014/main" id="{01F67648-6F7A-0040-9CA9-B94586474C13}"/>
+              </a:ext>
+            </a:extLst>
+          </p:cNvPr>
+          <p:cNvSpPr/>
+          <p:nvPr/>
+        </p:nvSpPr>
+        <p:spPr>
+          <a:xfrm>
+            <a:off x="3324181" y="2561430"/>
+            <a:ext cx="275303" cy="917982"/>
+          </a:xfrm>
+          <a:prstGeom prst="ellipse">
+            <a:avLst/>
+          </a:prstGeom>
+          <a:noFill/>
+          <a:ln>
+            <a:solidFill>
+              <a:schemeClr val="tx1"/>
+            </a:solidFill>
+          </a:ln>
+        </p:spPr>
+        <p:style>
+          <a:lnRef idx="2">
+            <a:schemeClr val="accent1">
+              <a:shade val="50000"/>
+            </a:schemeClr>
+          </a:lnRef>
+          <a:fillRef idx="1">
+            <a:schemeClr val="accent1"/>
+          </a:fillRef>
+          <a:effectRef idx="0">
+            <a:schemeClr val="accent1"/>
+          </a:effectRef>
+          <a:fontRef idx="minor">
+            <a:schemeClr val="lt1"/>
+          </a:fontRef>
+        </p:style>
+        <p:txBody>
+          <a:bodyPr rtlCol="0" anchor="ctr"/>
+          <a:lstStyle/>
+          <a:p>
+            <a:pPr algn="ctr"/>
+            <a:endParaRPr lang="en-US"/>
+          </a:p>
+        </p:txBody>
+      </p:sp>
+      <p:sp>
+        <p:nvSpPr>
+          <p:cNvPr id="10" name="TextBox 9">
+            <a:extLst>
+              <a:ext uri="{FF2B5EF4-FFF2-40B4-BE49-F238E27FC236}">
+                <a16:creationId xmlns:a16="http://schemas.microsoft.com/office/drawing/2014/main" id="{57B6CA0D-0350-6549-AEE4-E7E39EBF6146}"/>
+              </a:ext>
+            </a:extLst>
+          </p:cNvPr>
+          <p:cNvSpPr txBox="1"/>
+          <p:nvPr/>
+        </p:nvSpPr>
+        <p:spPr>
+          <a:xfrm>
+            <a:off x="3332182" y="2822662"/>
+            <a:ext cx="301686" cy="369332"/>
+          </a:xfrm>
+          <a:prstGeom prst="rect">
+            <a:avLst/>
+          </a:prstGeom>
+          <a:noFill/>
+        </p:spPr>
+        <p:txBody>
+          <a:bodyPr wrap="none" rtlCol="0">
+            <a:spAutoFit/>
+          </a:bodyPr>
+          <a:lstStyle/>
+          <a:p>
+            <a:r>
+              <a:rPr lang="en-US" dirty="0"/>
+              <a:t>2</a:t>
+            </a:r>
+          </a:p>
+        </p:txBody>
+      </p:sp>
+      <p:sp>
+        <p:nvSpPr>
+          <p:cNvPr id="31" name="Oval 30">
+            <a:extLst>
+              <a:ext uri="{FF2B5EF4-FFF2-40B4-BE49-F238E27FC236}">
+                <a16:creationId xmlns:a16="http://schemas.microsoft.com/office/drawing/2014/main" id="{517C8DF1-38D6-ED4B-9176-EA8819E2F880}"/>
+              </a:ext>
+            </a:extLst>
+          </p:cNvPr>
+          <p:cNvSpPr/>
+          <p:nvPr/>
+        </p:nvSpPr>
+        <p:spPr>
+          <a:xfrm>
+            <a:off x="7489943" y="2128568"/>
+            <a:ext cx="403761" cy="1761900"/>
+          </a:xfrm>
+          <a:prstGeom prst="ellipse">
+            <a:avLst/>
+          </a:prstGeom>
+          <a:noFill/>
+          <a:ln>
+            <a:solidFill>
+              <a:schemeClr val="tx1"/>
+            </a:solidFill>
+          </a:ln>
+        </p:spPr>
+        <p:style>
+          <a:lnRef idx="2">
+            <a:schemeClr val="accent1">
+              <a:shade val="50000"/>
+            </a:schemeClr>
+          </a:lnRef>
+          <a:fillRef idx="1">
+            <a:schemeClr val="accent1"/>
+          </a:fillRef>
+          <a:effectRef idx="0">
+            <a:schemeClr val="accent1"/>
+          </a:effectRef>
+          <a:fontRef idx="minor">
+            <a:schemeClr val="lt1"/>
+          </a:fontRef>
+        </p:style>
+        <p:txBody>
+          <a:bodyPr rtlCol="0" anchor="ctr"/>
+          <a:lstStyle/>
+          <a:p>
+            <a:pPr algn="ctr"/>
+            <a:endParaRPr lang="en-US"/>
+          </a:p>
+        </p:txBody>
+      </p:sp>
+      <p:sp>
+        <p:nvSpPr>
+          <p:cNvPr id="32" name="TextBox 31">
+            <a:extLst>
+              <a:ext uri="{FF2B5EF4-FFF2-40B4-BE49-F238E27FC236}">
+                <a16:creationId xmlns:a16="http://schemas.microsoft.com/office/drawing/2014/main" id="{36E93EEB-B37E-934C-8001-1EF38C9AC8F0}"/>
+              </a:ext>
+            </a:extLst>
+          </p:cNvPr>
+          <p:cNvSpPr txBox="1"/>
+          <p:nvPr/>
+        </p:nvSpPr>
+        <p:spPr>
+          <a:xfrm>
+            <a:off x="7458842" y="4040302"/>
+            <a:ext cx="465961" cy="369332"/>
+          </a:xfrm>
+          <a:prstGeom prst="rect">
+            <a:avLst/>
+          </a:prstGeom>
+          <a:noFill/>
+        </p:spPr>
+        <p:txBody>
+          <a:bodyPr wrap="none" rtlCol="0">
+            <a:spAutoFit/>
+          </a:bodyPr>
+          <a:lstStyle/>
+          <a:p>
+            <a:r>
+              <a:rPr lang="en-US" dirty="0"/>
+              <a:t>cat</a:t>
+            </a:r>
+          </a:p>
+        </p:txBody>
+      </p:sp>
+      <p:sp>
+        <p:nvSpPr>
+          <p:cNvPr id="33" name="TextBox 32">
+            <a:extLst>
+              <a:ext uri="{FF2B5EF4-FFF2-40B4-BE49-F238E27FC236}">
+                <a16:creationId xmlns:a16="http://schemas.microsoft.com/office/drawing/2014/main" id="{6F63FC99-1D47-524D-80C6-1EB85B59876B}"/>
+              </a:ext>
+            </a:extLst>
+          </p:cNvPr>
+          <p:cNvSpPr txBox="1"/>
+          <p:nvPr/>
+        </p:nvSpPr>
+        <p:spPr>
+          <a:xfrm>
+            <a:off x="1483497" y="640371"/>
+            <a:ext cx="680058" cy="369332"/>
+          </a:xfrm>
+          <a:prstGeom prst="rect">
+            <a:avLst/>
+          </a:prstGeom>
+          <a:noFill/>
+        </p:spPr>
+        <p:txBody>
+          <a:bodyPr wrap="none" rtlCol="0">
+            <a:spAutoFit/>
+          </a:bodyPr>
+          <a:lstStyle/>
+          <a:p>
+            <a:r>
+              <a:rPr lang="en-US" b="1" dirty="0">
+                <a:solidFill>
+                  <a:schemeClr val="accent1"/>
+                </a:solidFill>
+              </a:rPr>
+              <a:t>word</a:t>
+            </a:r>
+          </a:p>
+        </p:txBody>
+      </p:sp>
+      <p:sp>
+        <p:nvSpPr>
+          <p:cNvPr id="34" name="TextBox 33">
+            <a:extLst>
+              <a:ext uri="{FF2B5EF4-FFF2-40B4-BE49-F238E27FC236}">
+                <a16:creationId xmlns:a16="http://schemas.microsoft.com/office/drawing/2014/main" id="{CD0F2AFA-0DFF-5244-A84D-7CC161E2754F}"/>
+              </a:ext>
+            </a:extLst>
+          </p:cNvPr>
+          <p:cNvSpPr txBox="1"/>
+          <p:nvPr/>
+        </p:nvSpPr>
+        <p:spPr>
+          <a:xfrm>
+            <a:off x="7279511" y="1808152"/>
+            <a:ext cx="838691" cy="369332"/>
+          </a:xfrm>
+          <a:prstGeom prst="rect">
+            <a:avLst/>
+          </a:prstGeom>
+          <a:noFill/>
+        </p:spPr>
+        <p:txBody>
+          <a:bodyPr wrap="none" rtlCol="0">
+            <a:spAutoFit/>
+          </a:bodyPr>
+          <a:lstStyle/>
+          <a:p>
+            <a:r>
+              <a:rPr lang="en-US" b="1" dirty="0">
+                <a:solidFill>
+                  <a:schemeClr val="accent1"/>
+                </a:solidFill>
+              </a:rPr>
+              <a:t>output</a:t>
+            </a:r>
+          </a:p>
+        </p:txBody>
+      </p:sp>
+      <p:cxnSp>
+        <p:nvCxnSpPr>
+          <p:cNvPr id="39" name="Straight Connector 38">
+            <a:extLst>
+              <a:ext uri="{FF2B5EF4-FFF2-40B4-BE49-F238E27FC236}">
+                <a16:creationId xmlns:a16="http://schemas.microsoft.com/office/drawing/2014/main" id="{2C0CFB5A-AE1E-7248-8546-252890C7E916}"/>
+              </a:ext>
+            </a:extLst>
+          </p:cNvPr>
+          <p:cNvCxnSpPr>
+            <a:cxnSpLocks/>
+            <a:stCxn id="10" idx="3"/>
+            <a:endCxn id="31" idx="2"/>
+          </p:cNvCxnSpPr>
+          <p:nvPr/>
+        </p:nvCxnSpPr>
+        <p:spPr>
+          <a:xfrm>
+            <a:off x="3633868" y="3007328"/>
+            <a:ext cx="3856075" cy="2190"/>
+          </a:xfrm>
+          <a:prstGeom prst="line">
+            <a:avLst/>
+          </a:prstGeom>
+          <a:ln>
+            <a:solidFill>
+              <a:schemeClr val="tx1"/>
+            </a:solidFill>
+          </a:ln>
+        </p:spPr>
+        <p:style>
+          <a:lnRef idx="1">
+            <a:schemeClr val="accent1"/>
+          </a:lnRef>
+          <a:fillRef idx="0">
+            <a:schemeClr val="accent1"/>
+          </a:fillRef>
+          <a:effectRef idx="0">
+            <a:schemeClr val="accent1"/>
+          </a:effectRef>
+          <a:fontRef idx="minor">
+            <a:schemeClr val="tx1"/>
+          </a:fontRef>
+        </p:style>
+      </p:cxnSp>
+      <p:sp>
+        <p:nvSpPr>
+          <p:cNvPr id="40" name="TextBox 39">
+            <a:extLst>
+              <a:ext uri="{FF2B5EF4-FFF2-40B4-BE49-F238E27FC236}">
+                <a16:creationId xmlns:a16="http://schemas.microsoft.com/office/drawing/2014/main" id="{3A6581AC-C07F-7F44-A5EB-538345EA1B47}"/>
+              </a:ext>
+            </a:extLst>
+          </p:cNvPr>
+          <p:cNvSpPr txBox="1"/>
+          <p:nvPr/>
+        </p:nvSpPr>
+        <p:spPr>
+          <a:xfrm>
+            <a:off x="7506099" y="2786309"/>
+            <a:ext cx="418704" cy="369332"/>
+          </a:xfrm>
+          <a:prstGeom prst="rect">
+            <a:avLst/>
+          </a:prstGeom>
+          <a:noFill/>
+        </p:spPr>
+        <p:txBody>
+          <a:bodyPr wrap="none" rtlCol="0">
+            <a:spAutoFit/>
+          </a:bodyPr>
+          <a:lstStyle/>
+          <a:p>
+            <a:r>
+              <a:rPr lang="en-US" dirty="0"/>
+              <a:t>30</a:t>
+            </a:r>
+          </a:p>
+        </p:txBody>
+      </p:sp>
+      <p:sp>
+        <p:nvSpPr>
+          <p:cNvPr id="43" name="TextBox 42">
+            <a:extLst>
+              <a:ext uri="{FF2B5EF4-FFF2-40B4-BE49-F238E27FC236}">
+                <a16:creationId xmlns:a16="http://schemas.microsoft.com/office/drawing/2014/main" id="{3E46F1EB-1E8F-F944-9399-5117B02EB974}"/>
+              </a:ext>
+            </a:extLst>
+          </p:cNvPr>
+          <p:cNvSpPr txBox="1"/>
+          <p:nvPr/>
+        </p:nvSpPr>
+        <p:spPr>
+          <a:xfrm>
+            <a:off x="2795343" y="2134489"/>
+            <a:ext cx="1261884" cy="369332"/>
+          </a:xfrm>
+          <a:prstGeom prst="rect">
+            <a:avLst/>
+          </a:prstGeom>
+          <a:noFill/>
+        </p:spPr>
+        <p:txBody>
+          <a:bodyPr wrap="none" rtlCol="0">
+            <a:spAutoFit/>
+          </a:bodyPr>
+          <a:lstStyle/>
+          <a:p>
+            <a:r>
+              <a:rPr lang="en-US" b="1" dirty="0">
+                <a:solidFill>
+                  <a:schemeClr val="accent1"/>
+                </a:solidFill>
+              </a:rPr>
+              <a:t>embedding</a:t>
+            </a:r>
+          </a:p>
+        </p:txBody>
+      </p:sp>
+      <p:sp>
+        <p:nvSpPr>
+          <p:cNvPr id="44" name="Rectangle 43">
+            <a:extLst>
+              <a:ext uri="{FF2B5EF4-FFF2-40B4-BE49-F238E27FC236}">
+                <a16:creationId xmlns:a16="http://schemas.microsoft.com/office/drawing/2014/main" id="{F027F074-85D8-E34D-A9F4-3FF5460020E8}"/>
+              </a:ext>
+            </a:extLst>
+          </p:cNvPr>
+          <p:cNvSpPr/>
+          <p:nvPr/>
+        </p:nvSpPr>
+        <p:spPr>
+          <a:xfrm>
+            <a:off x="4528198" y="2638737"/>
+            <a:ext cx="1998646" cy="732273"/>
+          </a:xfrm>
+          <a:prstGeom prst="rect">
+            <a:avLst/>
+          </a:prstGeom>
+        </p:spPr>
+        <p:style>
+          <a:lnRef idx="2">
+            <a:schemeClr val="accent1">
+              <a:shade val="50000"/>
+            </a:schemeClr>
+          </a:lnRef>
+          <a:fillRef idx="1">
+            <a:schemeClr val="accent1"/>
+          </a:fillRef>
+          <a:effectRef idx="0">
+            <a:schemeClr val="accent1"/>
+          </a:effectRef>
+          <a:fontRef idx="minor">
+            <a:schemeClr val="lt1"/>
+          </a:fontRef>
+        </p:style>
+        <p:txBody>
+          <a:bodyPr rtlCol="0" anchor="ctr"/>
+          <a:lstStyle/>
+          <a:p>
+            <a:pPr algn="ctr"/>
+            <a:r>
+              <a:rPr lang="en-US" dirty="0"/>
+              <a:t>Linear(e)</a:t>
+            </a:r>
+          </a:p>
+        </p:txBody>
+      </p:sp>
+      <p:sp>
+        <p:nvSpPr>
+          <p:cNvPr id="2" name="Rounded Rectangle 1">
+            <a:extLst>
+              <a:ext uri="{FF2B5EF4-FFF2-40B4-BE49-F238E27FC236}">
+                <a16:creationId xmlns:a16="http://schemas.microsoft.com/office/drawing/2014/main" id="{ACE9A80D-0FF4-B24D-B159-73924F2801B4}"/>
+              </a:ext>
+            </a:extLst>
+          </p:cNvPr>
+          <p:cNvSpPr/>
+          <p:nvPr/>
+        </p:nvSpPr>
+        <p:spPr>
+          <a:xfrm>
+            <a:off x="1355681" y="521110"/>
+            <a:ext cx="899542" cy="5105546"/>
+          </a:xfrm>
+          <a:prstGeom prst="roundRect">
+            <a:avLst/>
+          </a:prstGeom>
+          <a:noFill/>
+        </p:spPr>
+        <p:style>
+          <a:lnRef idx="2">
+            <a:schemeClr val="accent1">
+              <a:shade val="50000"/>
+            </a:schemeClr>
+          </a:lnRef>
+          <a:fillRef idx="1">
+            <a:schemeClr val="accent1"/>
+          </a:fillRef>
+          <a:effectRef idx="0">
+            <a:schemeClr val="accent1"/>
+          </a:effectRef>
+          <a:fontRef idx="minor">
+            <a:schemeClr val="lt1"/>
+          </a:fontRef>
+        </p:style>
+        <p:txBody>
+          <a:bodyPr rtlCol="0" anchor="ctr"/>
+          <a:lstStyle/>
+          <a:p>
+            <a:pPr algn="ctr"/>
+            <a:endParaRPr lang="en-US"/>
+          </a:p>
+        </p:txBody>
+      </p:sp>
+      <p:sp>
+        <p:nvSpPr>
+          <p:cNvPr id="37" name="TextBox 36">
+            <a:extLst>
+              <a:ext uri="{FF2B5EF4-FFF2-40B4-BE49-F238E27FC236}">
+                <a16:creationId xmlns:a16="http://schemas.microsoft.com/office/drawing/2014/main" id="{67C4EF9C-4EA5-6C49-8C5F-7523DB294011}"/>
+              </a:ext>
+            </a:extLst>
+          </p:cNvPr>
+          <p:cNvSpPr txBox="1"/>
+          <p:nvPr/>
+        </p:nvSpPr>
+        <p:spPr>
+          <a:xfrm>
+            <a:off x="575407" y="2642334"/>
+            <a:ext cx="813236" cy="369332"/>
+          </a:xfrm>
+          <a:prstGeom prst="rect">
+            <a:avLst/>
+          </a:prstGeom>
+          <a:noFill/>
+        </p:spPr>
+        <p:txBody>
+          <a:bodyPr wrap="none" rtlCol="0">
+            <a:spAutoFit/>
+          </a:bodyPr>
+          <a:lstStyle/>
+          <a:p>
+            <a:r>
+              <a:rPr lang="en-US" b="1" dirty="0" err="1">
+                <a:solidFill>
+                  <a:schemeClr val="accent1"/>
+                </a:solidFill>
+              </a:rPr>
+              <a:t>concat</a:t>
+            </a:r>
+            <a:endParaRPr lang="en-US" b="1" dirty="0">
+              <a:solidFill>
+                <a:schemeClr val="accent1"/>
+              </a:solidFill>
+            </a:endParaRPr>
+          </a:p>
+        </p:txBody>
+      </p:sp>
+      <p:cxnSp>
+        <p:nvCxnSpPr>
+          <p:cNvPr id="38" name="Straight Connector 37">
+            <a:extLst>
+              <a:ext uri="{FF2B5EF4-FFF2-40B4-BE49-F238E27FC236}">
+                <a16:creationId xmlns:a16="http://schemas.microsoft.com/office/drawing/2014/main" id="{45F651F0-E1F6-AD4C-A379-B6CDCD154F46}"/>
+              </a:ext>
+            </a:extLst>
+          </p:cNvPr>
+          <p:cNvCxnSpPr>
+            <a:cxnSpLocks/>
+          </p:cNvCxnSpPr>
+          <p:nvPr/>
+        </p:nvCxnSpPr>
+        <p:spPr>
+          <a:xfrm>
+            <a:off x="2262325" y="2094940"/>
+            <a:ext cx="1066036" cy="767310"/>
+          </a:xfrm>
+          <a:prstGeom prst="line">
+            <a:avLst/>
+          </a:prstGeom>
+          <a:ln>
+            <a:solidFill>
+              <a:schemeClr val="tx1"/>
+            </a:solidFill>
+          </a:ln>
+        </p:spPr>
+        <p:style>
+          <a:lnRef idx="1">
+            <a:schemeClr val="accent1"/>
+          </a:lnRef>
+          <a:fillRef idx="0">
+            <a:schemeClr val="accent1"/>
+          </a:fillRef>
+          <a:effectRef idx="0">
+            <a:schemeClr val="accent1"/>
+          </a:effectRef>
+          <a:fontRef idx="minor">
+            <a:schemeClr val="tx1"/>
+          </a:fontRef>
+        </p:style>
+      </p:cxnSp>
+      <p:cxnSp>
+        <p:nvCxnSpPr>
+          <p:cNvPr id="41" name="Straight Connector 40">
+            <a:extLst>
+              <a:ext uri="{FF2B5EF4-FFF2-40B4-BE49-F238E27FC236}">
+                <a16:creationId xmlns:a16="http://schemas.microsoft.com/office/drawing/2014/main" id="{54918E30-45AD-9C46-BF37-E11EF87B7677}"/>
+              </a:ext>
+            </a:extLst>
+          </p:cNvPr>
+          <p:cNvCxnSpPr>
+            <a:cxnSpLocks/>
+          </p:cNvCxnSpPr>
+          <p:nvPr/>
+        </p:nvCxnSpPr>
+        <p:spPr>
+          <a:xfrm flipV="1">
+            <a:off x="2261046" y="3191761"/>
+            <a:ext cx="1045231" cy="1180942"/>
+          </a:xfrm>
+          <a:prstGeom prst="line">
+            <a:avLst/>
+          </a:prstGeom>
+          <a:ln>
+            <a:solidFill>
+              <a:schemeClr val="tx1"/>
+            </a:solidFill>
+          </a:ln>
+        </p:spPr>
+        <p:style>
+          <a:lnRef idx="1">
+            <a:schemeClr val="accent1"/>
+          </a:lnRef>
+          <a:fillRef idx="0">
+            <a:schemeClr val="accent1"/>
+          </a:fillRef>
+          <a:effectRef idx="0">
+            <a:schemeClr val="accent1"/>
+          </a:effectRef>
+          <a:fontRef idx="minor">
+            <a:schemeClr val="tx1"/>
+          </a:fontRef>
+        </p:style>
+      </p:cxnSp>
+      <p:pic>
+        <p:nvPicPr>
+          <p:cNvPr id="13" name="Picture 12">
+            <a:extLst>
+              <a:ext uri="{FF2B5EF4-FFF2-40B4-BE49-F238E27FC236}">
+                <a16:creationId xmlns:a16="http://schemas.microsoft.com/office/drawing/2014/main" id="{910FB824-F0F2-4B41-B6D5-A1B432CAA911}"/>
+              </a:ext>
+            </a:extLst>
+          </p:cNvPr>
+          <p:cNvPicPr>
+            <a:picLocks noChangeAspect="1"/>
+          </p:cNvPicPr>
+          <p:nvPr/>
+        </p:nvPicPr>
+        <p:blipFill>
+          <a:blip r:embed="rId2"/>
+          <a:stretch>
+            <a:fillRect/>
+          </a:stretch>
+        </p:blipFill>
+        <p:spPr>
+          <a:xfrm>
+            <a:off x="2582408" y="4844555"/>
+            <a:ext cx="2945113" cy="229761"/>
+          </a:xfrm>
+          <a:prstGeom prst="rect">
+            <a:avLst/>
+          </a:prstGeom>
+        </p:spPr>
+      </p:pic>
+      <p:pic>
+        <p:nvPicPr>
+          <p:cNvPr id="23" name="Picture 22">
+            <a:extLst>
+              <a:ext uri="{FF2B5EF4-FFF2-40B4-BE49-F238E27FC236}">
+                <a16:creationId xmlns:a16="http://schemas.microsoft.com/office/drawing/2014/main" id="{74D2B121-6FD2-9D46-9D24-870B5D93E6BD}"/>
+              </a:ext>
+            </a:extLst>
+          </p:cNvPr>
+          <p:cNvPicPr>
+            <a:picLocks noChangeAspect="1"/>
+          </p:cNvPicPr>
+          <p:nvPr/>
+        </p:nvPicPr>
+        <p:blipFill>
+          <a:blip r:embed="rId3"/>
+          <a:stretch>
+            <a:fillRect/>
+          </a:stretch>
+        </p:blipFill>
+        <p:spPr>
+          <a:xfrm>
+            <a:off x="2537674" y="6022942"/>
+            <a:ext cx="5311672" cy="232911"/>
+          </a:xfrm>
+          <a:prstGeom prst="rect">
+            <a:avLst/>
+          </a:prstGeom>
+        </p:spPr>
+      </p:pic>
+      <p:pic>
+        <p:nvPicPr>
+          <p:cNvPr id="27" name="Picture 26">
+            <a:extLst>
+              <a:ext uri="{FF2B5EF4-FFF2-40B4-BE49-F238E27FC236}">
+                <a16:creationId xmlns:a16="http://schemas.microsoft.com/office/drawing/2014/main" id="{817B7048-4C41-C44C-AFC1-0E2804ABFB2F}"/>
+              </a:ext>
+            </a:extLst>
+          </p:cNvPr>
+          <p:cNvPicPr>
+            <a:picLocks noChangeAspect="1"/>
+          </p:cNvPicPr>
+          <p:nvPr/>
+        </p:nvPicPr>
+        <p:blipFill>
+          <a:blip r:embed="rId4"/>
+          <a:stretch>
+            <a:fillRect/>
+          </a:stretch>
+        </p:blipFill>
+        <p:spPr>
+          <a:xfrm>
+            <a:off x="2508178" y="5693198"/>
+            <a:ext cx="5391291" cy="236691"/>
+          </a:xfrm>
+          <a:prstGeom prst="rect">
+            <a:avLst/>
+          </a:prstGeom>
+        </p:spPr>
+      </p:pic>
+      <p:pic>
+        <p:nvPicPr>
+          <p:cNvPr id="42" name="Picture 41">
+            <a:extLst>
+              <a:ext uri="{FF2B5EF4-FFF2-40B4-BE49-F238E27FC236}">
+                <a16:creationId xmlns:a16="http://schemas.microsoft.com/office/drawing/2014/main" id="{3A68D154-1C38-7546-96F0-8B11C99EFAF0}"/>
+              </a:ext>
+            </a:extLst>
+          </p:cNvPr>
+          <p:cNvPicPr>
+            <a:picLocks noChangeAspect="1"/>
+          </p:cNvPicPr>
+          <p:nvPr/>
+        </p:nvPicPr>
+        <p:blipFill>
+          <a:blip r:embed="rId5"/>
+          <a:stretch>
+            <a:fillRect/>
+          </a:stretch>
+        </p:blipFill>
+        <p:spPr>
+          <a:xfrm>
+            <a:off x="5572399" y="4228066"/>
+            <a:ext cx="873816" cy="1306398"/>
+          </a:xfrm>
+          <a:prstGeom prst="rect">
+            <a:avLst/>
+          </a:prstGeom>
+        </p:spPr>
+      </p:pic>
+      <p:cxnSp>
+        <p:nvCxnSpPr>
+          <p:cNvPr id="46" name="Straight Arrow Connector 45">
+            <a:extLst>
+              <a:ext uri="{FF2B5EF4-FFF2-40B4-BE49-F238E27FC236}">
+                <a16:creationId xmlns:a16="http://schemas.microsoft.com/office/drawing/2014/main" id="{41496D01-5190-F047-9E15-08DA227603C5}"/>
+              </a:ext>
+            </a:extLst>
+          </p:cNvPr>
+          <p:cNvCxnSpPr>
+            <a:cxnSpLocks/>
+            <a:stCxn id="30" idx="4"/>
+          </p:cNvCxnSpPr>
+          <p:nvPr/>
+        </p:nvCxnSpPr>
+        <p:spPr>
+          <a:xfrm>
+            <a:off x="3461833" y="3479412"/>
+            <a:ext cx="1066365" cy="1186127"/>
+          </a:xfrm>
+          <a:prstGeom prst="straightConnector1">
+            <a:avLst/>
+          </a:prstGeom>
+          <a:ln>
+            <a:tailEnd type="triangle"/>
+          </a:ln>
+        </p:spPr>
+        <p:style>
+          <a:lnRef idx="1">
+            <a:schemeClr val="accent1"/>
+          </a:lnRef>
+          <a:fillRef idx="0">
+            <a:schemeClr val="accent1"/>
+          </a:fillRef>
+          <a:effectRef idx="0">
+            <a:schemeClr val="accent1"/>
+          </a:effectRef>
+          <a:fontRef idx="minor">
+            <a:schemeClr val="tx1"/>
+          </a:fontRef>
+        </p:style>
+      </p:cxnSp>
+    </p:spTree>
+    <p:extLst>
+      <p:ext uri="{BB962C8B-B14F-4D97-AF65-F5344CB8AC3E}">
+        <p14:creationId xmlns:p14="http://schemas.microsoft.com/office/powerpoint/2010/main" val="1434840242"/>
+      </p:ext>
+    </p:extLst>
+  </p:cSld>
+  <p:clrMapOvr>
+    <a:masterClrMapping/>
+  </p:clrMapOvr>
+</p:sld>
+</file>
+
+<file path=ppt/slides/slide11.xml><?xml version="1.0" encoding="utf-8"?>
+<p:sld xmlns:a="http://schemas.openxmlformats.org/drawingml/2006/main" xmlns:r="http://schemas.openxmlformats.org/officeDocument/2006/relationships" xmlns:p="http://schemas.openxmlformats.org/presentationml/2006/main">
+  <p:cSld>
+    <p:spTree>
+      <p:nvGrpSpPr>
+        <p:cNvPr id="1" name=""/>
+        <p:cNvGrpSpPr/>
+        <p:nvPr/>
+      </p:nvGrpSpPr>
+      <p:grpSpPr>
+        <a:xfrm>
+          <a:off x="0" y="0"/>
+          <a:ext cx="0" cy="0"/>
+          <a:chOff x="0" y="0"/>
+          <a:chExt cx="0" cy="0"/>
+        </a:xfrm>
+      </p:grpSpPr>
+      <p:sp>
+        <p:nvSpPr>
+          <p:cNvPr id="15" name="Oval 14">
+            <a:extLst>
+              <a:ext uri="{FF2B5EF4-FFF2-40B4-BE49-F238E27FC236}">
+                <a16:creationId xmlns:a16="http://schemas.microsoft.com/office/drawing/2014/main" id="{5B18B3F0-0B39-4549-879E-473A79C4F7DA}"/>
+              </a:ext>
+            </a:extLst>
+          </p:cNvPr>
+          <p:cNvSpPr/>
+          <p:nvPr/>
+        </p:nvSpPr>
+        <p:spPr>
+          <a:xfrm>
+            <a:off x="1623236" y="3491753"/>
+            <a:ext cx="403761" cy="1761900"/>
+          </a:xfrm>
+          <a:prstGeom prst="ellipse">
+            <a:avLst/>
+          </a:prstGeom>
+          <a:noFill/>
+          <a:ln>
+            <a:solidFill>
+              <a:schemeClr val="tx1"/>
+            </a:solidFill>
+          </a:ln>
+        </p:spPr>
+        <p:style>
+          <a:lnRef idx="2">
+            <a:schemeClr val="accent1">
+              <a:shade val="50000"/>
+            </a:schemeClr>
+          </a:lnRef>
+          <a:fillRef idx="1">
+            <a:schemeClr val="accent1"/>
+          </a:fillRef>
+          <a:effectRef idx="0">
+            <a:schemeClr val="accent1"/>
+          </a:effectRef>
+          <a:fontRef idx="minor">
+            <a:schemeClr val="lt1"/>
+          </a:fontRef>
+        </p:style>
+        <p:txBody>
+          <a:bodyPr rtlCol="0" anchor="ctr"/>
+          <a:lstStyle/>
+          <a:p>
+            <a:pPr algn="ctr"/>
+            <a:endParaRPr lang="en-US"/>
+          </a:p>
+        </p:txBody>
+      </p:sp>
+      <p:sp>
+        <p:nvSpPr>
+          <p:cNvPr id="18" name="TextBox 17">
+            <a:extLst>
+              <a:ext uri="{FF2B5EF4-FFF2-40B4-BE49-F238E27FC236}">
+                <a16:creationId xmlns:a16="http://schemas.microsoft.com/office/drawing/2014/main" id="{20A50958-159E-3D47-A91D-ADB56005FE49}"/>
+              </a:ext>
+            </a:extLst>
+          </p:cNvPr>
+          <p:cNvSpPr txBox="1"/>
+          <p:nvPr/>
+        </p:nvSpPr>
+        <p:spPr>
+          <a:xfrm>
+            <a:off x="1561036" y="5257324"/>
+            <a:ext cx="465961" cy="369332"/>
+          </a:xfrm>
+          <a:prstGeom prst="rect">
+            <a:avLst/>
+          </a:prstGeom>
+          <a:noFill/>
+        </p:spPr>
+        <p:txBody>
+          <a:bodyPr wrap="none" rtlCol="0">
+            <a:spAutoFit/>
+          </a:bodyPr>
+          <a:lstStyle/>
+          <a:p>
+            <a:r>
+              <a:rPr lang="en-US" dirty="0"/>
+              <a:t>cat</a:t>
+            </a:r>
+          </a:p>
+        </p:txBody>
+      </p:sp>
+      <p:cxnSp>
+        <p:nvCxnSpPr>
+          <p:cNvPr id="21" name="Straight Connector 20">
+            <a:extLst>
+              <a:ext uri="{FF2B5EF4-FFF2-40B4-BE49-F238E27FC236}">
+                <a16:creationId xmlns:a16="http://schemas.microsoft.com/office/drawing/2014/main" id="{D19F2264-851E-0B43-A354-13F0EA645DC2}"/>
+              </a:ext>
+            </a:extLst>
+          </p:cNvPr>
+          <p:cNvCxnSpPr>
+            <a:cxnSpLocks/>
+            <a:stCxn id="17" idx="6"/>
+          </p:cNvCxnSpPr>
+          <p:nvPr/>
+        </p:nvCxnSpPr>
+        <p:spPr>
+          <a:xfrm flipV="1">
+            <a:off x="2007333" y="1798158"/>
+            <a:ext cx="714600" cy="9994"/>
+          </a:xfrm>
+          <a:prstGeom prst="line">
+            <a:avLst/>
+          </a:prstGeom>
+          <a:ln>
+            <a:solidFill>
+              <a:schemeClr val="tx1"/>
+            </a:solidFill>
+          </a:ln>
+        </p:spPr>
+        <p:style>
+          <a:lnRef idx="1">
+            <a:schemeClr val="accent1"/>
+          </a:lnRef>
+          <a:fillRef idx="0">
+            <a:schemeClr val="accent1"/>
+          </a:fillRef>
+          <a:effectRef idx="0">
+            <a:schemeClr val="accent1"/>
+          </a:effectRef>
+          <a:fontRef idx="minor">
+            <a:schemeClr val="tx1"/>
+          </a:fontRef>
+        </p:style>
+      </p:cxnSp>
+      <p:cxnSp>
+        <p:nvCxnSpPr>
+          <p:cNvPr id="22" name="Straight Connector 21">
+            <a:extLst>
+              <a:ext uri="{FF2B5EF4-FFF2-40B4-BE49-F238E27FC236}">
+                <a16:creationId xmlns:a16="http://schemas.microsoft.com/office/drawing/2014/main" id="{33D6CFA5-AE3D-3A46-A597-342ABB7B3195}"/>
+              </a:ext>
+            </a:extLst>
+          </p:cNvPr>
+          <p:cNvCxnSpPr>
+            <a:cxnSpLocks/>
+            <a:stCxn id="15" idx="6"/>
+          </p:cNvCxnSpPr>
+          <p:nvPr/>
+        </p:nvCxnSpPr>
+        <p:spPr>
+          <a:xfrm>
+            <a:off x="2026997" y="4372703"/>
+            <a:ext cx="694936" cy="0"/>
+          </a:xfrm>
+          <a:prstGeom prst="line">
+            <a:avLst/>
+          </a:prstGeom>
+          <a:ln>
+            <a:solidFill>
+              <a:schemeClr val="tx1"/>
+            </a:solidFill>
+          </a:ln>
+        </p:spPr>
+        <p:style>
+          <a:lnRef idx="1">
+            <a:schemeClr val="accent1"/>
+          </a:lnRef>
+          <a:fillRef idx="0">
+            <a:schemeClr val="accent1"/>
+          </a:fillRef>
+          <a:effectRef idx="0">
+            <a:schemeClr val="accent1"/>
+          </a:effectRef>
+          <a:fontRef idx="minor">
+            <a:schemeClr val="tx1"/>
+          </a:fontRef>
+        </p:style>
+      </p:cxnSp>
+      <p:sp>
+        <p:nvSpPr>
+          <p:cNvPr id="28" name="TextBox 27">
+            <a:extLst>
+              <a:ext uri="{FF2B5EF4-FFF2-40B4-BE49-F238E27FC236}">
+                <a16:creationId xmlns:a16="http://schemas.microsoft.com/office/drawing/2014/main" id="{81F2755B-A201-FC4A-9F7D-E0D142E664C1}"/>
+              </a:ext>
+            </a:extLst>
+          </p:cNvPr>
+          <p:cNvSpPr txBox="1"/>
+          <p:nvPr/>
+        </p:nvSpPr>
+        <p:spPr>
+          <a:xfrm>
+            <a:off x="1355681" y="3199858"/>
+            <a:ext cx="899542" cy="369332"/>
+          </a:xfrm>
+          <a:prstGeom prst="rect">
+            <a:avLst/>
+          </a:prstGeom>
+          <a:noFill/>
+        </p:spPr>
+        <p:txBody>
+          <a:bodyPr wrap="none" rtlCol="0">
+            <a:spAutoFit/>
+          </a:bodyPr>
+          <a:lstStyle/>
+          <a:p>
+            <a:r>
+              <a:rPr lang="en-US" b="1" dirty="0">
+                <a:solidFill>
+                  <a:schemeClr val="accent1"/>
+                </a:solidFill>
+              </a:rPr>
+              <a:t>context</a:t>
+            </a:r>
+          </a:p>
+        </p:txBody>
+      </p:sp>
+      <p:sp>
+        <p:nvSpPr>
+          <p:cNvPr id="3" name="TextBox 2">
+            <a:extLst>
+              <a:ext uri="{FF2B5EF4-FFF2-40B4-BE49-F238E27FC236}">
+                <a16:creationId xmlns:a16="http://schemas.microsoft.com/office/drawing/2014/main" id="{88C17DB2-A5D3-7647-AEA3-2AD4C180CEFD}"/>
+              </a:ext>
+            </a:extLst>
+          </p:cNvPr>
+          <p:cNvSpPr txBox="1"/>
+          <p:nvPr/>
+        </p:nvSpPr>
+        <p:spPr>
+          <a:xfrm>
+            <a:off x="1608293" y="4188037"/>
+            <a:ext cx="418704" cy="369332"/>
+          </a:xfrm>
+          <a:prstGeom prst="rect">
+            <a:avLst/>
+          </a:prstGeom>
+          <a:noFill/>
+        </p:spPr>
+        <p:txBody>
+          <a:bodyPr wrap="none" rtlCol="0">
+            <a:spAutoFit/>
+          </a:bodyPr>
+          <a:lstStyle/>
+          <a:p>
+            <a:r>
+              <a:rPr lang="en-US" dirty="0"/>
+              <a:t>30</a:t>
+            </a:r>
+          </a:p>
+        </p:txBody>
+      </p:sp>
+      <p:sp>
+        <p:nvSpPr>
+          <p:cNvPr id="17" name="Oval 16">
+            <a:extLst>
+              <a:ext uri="{FF2B5EF4-FFF2-40B4-BE49-F238E27FC236}">
+                <a16:creationId xmlns:a16="http://schemas.microsoft.com/office/drawing/2014/main" id="{DCAB5CE2-2965-2A41-BC8B-99EE9BF71AAF}"/>
+              </a:ext>
+            </a:extLst>
+          </p:cNvPr>
+          <p:cNvSpPr/>
+          <p:nvPr/>
+        </p:nvSpPr>
+        <p:spPr>
+          <a:xfrm>
+            <a:off x="1603572" y="927202"/>
+            <a:ext cx="403761" cy="1761900"/>
+          </a:xfrm>
+          <a:prstGeom prst="ellipse">
+            <a:avLst/>
+          </a:prstGeom>
+          <a:noFill/>
+          <a:ln>
+            <a:solidFill>
+              <a:schemeClr val="tx1"/>
+            </a:solidFill>
+          </a:ln>
+        </p:spPr>
+        <p:style>
+          <a:lnRef idx="2">
+            <a:schemeClr val="accent1">
+              <a:shade val="50000"/>
+            </a:schemeClr>
+          </a:lnRef>
+          <a:fillRef idx="1">
+            <a:schemeClr val="accent1"/>
+          </a:fillRef>
+          <a:effectRef idx="0">
+            <a:schemeClr val="accent1"/>
+          </a:effectRef>
+          <a:fontRef idx="minor">
+            <a:schemeClr val="lt1"/>
+          </a:fontRef>
+        </p:style>
+        <p:txBody>
+          <a:bodyPr rtlCol="0" anchor="ctr"/>
+          <a:lstStyle/>
+          <a:p>
+            <a:pPr algn="ctr"/>
+            <a:endParaRPr lang="en-US"/>
+          </a:p>
+        </p:txBody>
+      </p:sp>
+      <p:sp>
+        <p:nvSpPr>
+          <p:cNvPr id="19" name="TextBox 18">
+            <a:extLst>
+              <a:ext uri="{FF2B5EF4-FFF2-40B4-BE49-F238E27FC236}">
+                <a16:creationId xmlns:a16="http://schemas.microsoft.com/office/drawing/2014/main" id="{1E068A86-623D-BB4E-AC26-A187056949CD}"/>
+              </a:ext>
+            </a:extLst>
+          </p:cNvPr>
+          <p:cNvSpPr txBox="1"/>
+          <p:nvPr/>
+        </p:nvSpPr>
+        <p:spPr>
+          <a:xfrm>
+            <a:off x="1541372" y="2692773"/>
+            <a:ext cx="537327" cy="369332"/>
+          </a:xfrm>
+          <a:prstGeom prst="rect">
+            <a:avLst/>
+          </a:prstGeom>
+          <a:noFill/>
+        </p:spPr>
+        <p:txBody>
+          <a:bodyPr wrap="none" rtlCol="0">
+            <a:spAutoFit/>
+          </a:bodyPr>
+          <a:lstStyle/>
+          <a:p>
+            <a:r>
+              <a:rPr lang="en-US" dirty="0"/>
+              <a:t>bee</a:t>
+            </a:r>
+          </a:p>
+        </p:txBody>
+      </p:sp>
+      <p:sp>
+        <p:nvSpPr>
+          <p:cNvPr id="24" name="TextBox 23">
+            <a:extLst>
+              <a:ext uri="{FF2B5EF4-FFF2-40B4-BE49-F238E27FC236}">
+                <a16:creationId xmlns:a16="http://schemas.microsoft.com/office/drawing/2014/main" id="{F96754C3-A407-7546-B27C-527220B8FB17}"/>
+              </a:ext>
+            </a:extLst>
+          </p:cNvPr>
+          <p:cNvSpPr txBox="1"/>
+          <p:nvPr/>
+        </p:nvSpPr>
+        <p:spPr>
+          <a:xfrm>
+            <a:off x="1588629" y="1623486"/>
+            <a:ext cx="418704" cy="369332"/>
+          </a:xfrm>
+          <a:prstGeom prst="rect">
+            <a:avLst/>
+          </a:prstGeom>
+          <a:noFill/>
+        </p:spPr>
+        <p:txBody>
+          <a:bodyPr wrap="none" rtlCol="0">
+            <a:spAutoFit/>
+          </a:bodyPr>
+          <a:lstStyle/>
+          <a:p>
+            <a:r>
+              <a:rPr lang="en-US" dirty="0"/>
+              <a:t>30</a:t>
+            </a:r>
+          </a:p>
+        </p:txBody>
+      </p:sp>
+      <p:sp>
+        <p:nvSpPr>
+          <p:cNvPr id="25" name="Oval 24">
+            <a:extLst>
+              <a:ext uri="{FF2B5EF4-FFF2-40B4-BE49-F238E27FC236}">
+                <a16:creationId xmlns:a16="http://schemas.microsoft.com/office/drawing/2014/main" id="{2C25A830-22D2-6C47-AC59-E2CAA44BECBA}"/>
+              </a:ext>
+            </a:extLst>
+          </p:cNvPr>
+          <p:cNvSpPr/>
+          <p:nvPr/>
+        </p:nvSpPr>
+        <p:spPr>
+          <a:xfrm>
+            <a:off x="2721933" y="1339167"/>
+            <a:ext cx="275303" cy="917982"/>
+          </a:xfrm>
+          <a:prstGeom prst="ellipse">
+            <a:avLst/>
+          </a:prstGeom>
+          <a:noFill/>
+          <a:ln>
+            <a:solidFill>
+              <a:schemeClr val="tx1"/>
+            </a:solidFill>
+          </a:ln>
+        </p:spPr>
+        <p:style>
+          <a:lnRef idx="2">
+            <a:schemeClr val="accent1">
+              <a:shade val="50000"/>
+            </a:schemeClr>
+          </a:lnRef>
+          <a:fillRef idx="1">
+            <a:schemeClr val="accent1"/>
+          </a:fillRef>
+          <a:effectRef idx="0">
+            <a:schemeClr val="accent1"/>
+          </a:effectRef>
+          <a:fontRef idx="minor">
+            <a:schemeClr val="lt1"/>
+          </a:fontRef>
+        </p:style>
+        <p:txBody>
+          <a:bodyPr rtlCol="0" anchor="ctr"/>
+          <a:lstStyle/>
+          <a:p>
+            <a:pPr algn="ctr"/>
+            <a:endParaRPr lang="en-US"/>
+          </a:p>
+        </p:txBody>
+      </p:sp>
+      <p:sp>
+        <p:nvSpPr>
+          <p:cNvPr id="9" name="TextBox 8">
+            <a:extLst>
+              <a:ext uri="{FF2B5EF4-FFF2-40B4-BE49-F238E27FC236}">
+                <a16:creationId xmlns:a16="http://schemas.microsoft.com/office/drawing/2014/main" id="{DF147B3B-7C39-8B46-9FB1-B16FCDD5E1D9}"/>
+              </a:ext>
+            </a:extLst>
+          </p:cNvPr>
+          <p:cNvSpPr txBox="1"/>
+          <p:nvPr/>
+        </p:nvSpPr>
+        <p:spPr>
+          <a:xfrm>
+            <a:off x="2721933" y="1631204"/>
+            <a:ext cx="301686" cy="369332"/>
+          </a:xfrm>
+          <a:prstGeom prst="rect">
+            <a:avLst/>
+          </a:prstGeom>
+          <a:noFill/>
+        </p:spPr>
+        <p:txBody>
+          <a:bodyPr wrap="none" rtlCol="0">
+            <a:spAutoFit/>
+          </a:bodyPr>
+          <a:lstStyle/>
+          <a:p>
+            <a:r>
+              <a:rPr lang="en-US" dirty="0"/>
+              <a:t>2</a:t>
+            </a:r>
+          </a:p>
+        </p:txBody>
+      </p:sp>
+      <p:sp>
+        <p:nvSpPr>
+          <p:cNvPr id="26" name="Oval 25">
+            <a:extLst>
+              <a:ext uri="{FF2B5EF4-FFF2-40B4-BE49-F238E27FC236}">
+                <a16:creationId xmlns:a16="http://schemas.microsoft.com/office/drawing/2014/main" id="{DCE8B2D2-60F8-674B-81F8-DE1554FEE8FB}"/>
+              </a:ext>
+            </a:extLst>
+          </p:cNvPr>
+          <p:cNvSpPr/>
+          <p:nvPr/>
+        </p:nvSpPr>
+        <p:spPr>
+          <a:xfrm>
+            <a:off x="2748316" y="3913712"/>
+            <a:ext cx="275303" cy="917982"/>
+          </a:xfrm>
+          <a:prstGeom prst="ellipse">
+            <a:avLst/>
+          </a:prstGeom>
+          <a:noFill/>
+          <a:ln>
+            <a:solidFill>
+              <a:schemeClr val="tx1"/>
+            </a:solidFill>
+          </a:ln>
+        </p:spPr>
+        <p:style>
+          <a:lnRef idx="2">
+            <a:schemeClr val="accent1">
+              <a:shade val="50000"/>
+            </a:schemeClr>
+          </a:lnRef>
+          <a:fillRef idx="1">
+            <a:schemeClr val="accent1"/>
+          </a:fillRef>
+          <a:effectRef idx="0">
+            <a:schemeClr val="accent1"/>
+          </a:effectRef>
+          <a:fontRef idx="minor">
+            <a:schemeClr val="lt1"/>
+          </a:fontRef>
+        </p:style>
+        <p:txBody>
+          <a:bodyPr rtlCol="0" anchor="ctr"/>
+          <a:lstStyle/>
+          <a:p>
+            <a:pPr algn="ctr"/>
+            <a:endParaRPr lang="en-US"/>
+          </a:p>
+        </p:txBody>
+      </p:sp>
+      <p:sp>
+        <p:nvSpPr>
+          <p:cNvPr id="29" name="TextBox 28">
+            <a:extLst>
+              <a:ext uri="{FF2B5EF4-FFF2-40B4-BE49-F238E27FC236}">
+                <a16:creationId xmlns:a16="http://schemas.microsoft.com/office/drawing/2014/main" id="{2EDC3651-9B00-724D-92EC-76ABA76992A2}"/>
+              </a:ext>
+            </a:extLst>
+          </p:cNvPr>
+          <p:cNvSpPr txBox="1"/>
+          <p:nvPr/>
+        </p:nvSpPr>
+        <p:spPr>
+          <a:xfrm>
+            <a:off x="2748316" y="4205749"/>
+            <a:ext cx="301686" cy="369332"/>
+          </a:xfrm>
+          <a:prstGeom prst="rect">
+            <a:avLst/>
+          </a:prstGeom>
+          <a:noFill/>
+        </p:spPr>
+        <p:txBody>
+          <a:bodyPr wrap="none" rtlCol="0">
+            <a:spAutoFit/>
+          </a:bodyPr>
+          <a:lstStyle/>
+          <a:p>
+            <a:r>
+              <a:rPr lang="en-US" dirty="0"/>
+              <a:t>2</a:t>
+            </a:r>
+          </a:p>
+        </p:txBody>
+      </p:sp>
+      <p:sp>
+        <p:nvSpPr>
+          <p:cNvPr id="30" name="Oval 29">
+            <a:extLst>
+              <a:ext uri="{FF2B5EF4-FFF2-40B4-BE49-F238E27FC236}">
+                <a16:creationId xmlns:a16="http://schemas.microsoft.com/office/drawing/2014/main" id="{01F67648-6F7A-0040-9CA9-B94586474C13}"/>
+              </a:ext>
+            </a:extLst>
+          </p:cNvPr>
+          <p:cNvSpPr/>
+          <p:nvPr/>
+        </p:nvSpPr>
+        <p:spPr>
+          <a:xfrm>
+            <a:off x="5930594" y="2550527"/>
+            <a:ext cx="275303" cy="917982"/>
+          </a:xfrm>
+          <a:prstGeom prst="ellipse">
+            <a:avLst/>
+          </a:prstGeom>
+          <a:noFill/>
+          <a:ln>
+            <a:solidFill>
+              <a:schemeClr val="tx1"/>
+            </a:solidFill>
+          </a:ln>
+        </p:spPr>
+        <p:style>
+          <a:lnRef idx="2">
+            <a:schemeClr val="accent1">
+              <a:shade val="50000"/>
+            </a:schemeClr>
+          </a:lnRef>
+          <a:fillRef idx="1">
+            <a:schemeClr val="accent1"/>
+          </a:fillRef>
+          <a:effectRef idx="0">
+            <a:schemeClr val="accent1"/>
+          </a:effectRef>
+          <a:fontRef idx="minor">
+            <a:schemeClr val="lt1"/>
+          </a:fontRef>
+        </p:style>
+        <p:txBody>
+          <a:bodyPr rtlCol="0" anchor="ctr"/>
+          <a:lstStyle/>
+          <a:p>
+            <a:pPr algn="ctr"/>
+            <a:endParaRPr lang="en-US"/>
+          </a:p>
+        </p:txBody>
+      </p:sp>
+      <p:sp>
+        <p:nvSpPr>
+          <p:cNvPr id="10" name="TextBox 9">
+            <a:extLst>
+              <a:ext uri="{FF2B5EF4-FFF2-40B4-BE49-F238E27FC236}">
+                <a16:creationId xmlns:a16="http://schemas.microsoft.com/office/drawing/2014/main" id="{57B6CA0D-0350-6549-AEE4-E7E39EBF6146}"/>
+              </a:ext>
+            </a:extLst>
+          </p:cNvPr>
+          <p:cNvSpPr txBox="1"/>
+          <p:nvPr/>
+        </p:nvSpPr>
+        <p:spPr>
+          <a:xfrm>
+            <a:off x="5938595" y="2811759"/>
+            <a:ext cx="301686" cy="369332"/>
+          </a:xfrm>
+          <a:prstGeom prst="rect">
+            <a:avLst/>
+          </a:prstGeom>
+          <a:noFill/>
+        </p:spPr>
+        <p:txBody>
+          <a:bodyPr wrap="none" rtlCol="0">
+            <a:spAutoFit/>
+          </a:bodyPr>
+          <a:lstStyle/>
+          <a:p>
+            <a:r>
+              <a:rPr lang="en-US" dirty="0"/>
+              <a:t>2</a:t>
+            </a:r>
+          </a:p>
+        </p:txBody>
+      </p:sp>
+      <p:sp>
+        <p:nvSpPr>
+          <p:cNvPr id="31" name="Oval 30">
+            <a:extLst>
+              <a:ext uri="{FF2B5EF4-FFF2-40B4-BE49-F238E27FC236}">
+                <a16:creationId xmlns:a16="http://schemas.microsoft.com/office/drawing/2014/main" id="{517C8DF1-38D6-ED4B-9176-EA8819E2F880}"/>
+              </a:ext>
+            </a:extLst>
+          </p:cNvPr>
+          <p:cNvSpPr/>
+          <p:nvPr/>
+        </p:nvSpPr>
+        <p:spPr>
+          <a:xfrm>
+            <a:off x="7489943" y="2128568"/>
+            <a:ext cx="403761" cy="1761900"/>
+          </a:xfrm>
+          <a:prstGeom prst="ellipse">
+            <a:avLst/>
+          </a:prstGeom>
+          <a:noFill/>
+          <a:ln>
+            <a:solidFill>
+              <a:schemeClr val="tx1"/>
+            </a:solidFill>
+          </a:ln>
+        </p:spPr>
+        <p:style>
+          <a:lnRef idx="2">
+            <a:schemeClr val="accent1">
+              <a:shade val="50000"/>
+            </a:schemeClr>
+          </a:lnRef>
+          <a:fillRef idx="1">
+            <a:schemeClr val="accent1"/>
+          </a:fillRef>
+          <a:effectRef idx="0">
+            <a:schemeClr val="accent1"/>
+          </a:effectRef>
+          <a:fontRef idx="minor">
+            <a:schemeClr val="lt1"/>
+          </a:fontRef>
+        </p:style>
+        <p:txBody>
+          <a:bodyPr rtlCol="0" anchor="ctr"/>
+          <a:lstStyle/>
+          <a:p>
+            <a:pPr algn="ctr"/>
+            <a:endParaRPr lang="en-US"/>
+          </a:p>
+        </p:txBody>
+      </p:sp>
+      <p:sp>
+        <p:nvSpPr>
+          <p:cNvPr id="32" name="TextBox 31">
+            <a:extLst>
+              <a:ext uri="{FF2B5EF4-FFF2-40B4-BE49-F238E27FC236}">
+                <a16:creationId xmlns:a16="http://schemas.microsoft.com/office/drawing/2014/main" id="{36E93EEB-B37E-934C-8001-1EF38C9AC8F0}"/>
+              </a:ext>
+            </a:extLst>
+          </p:cNvPr>
+          <p:cNvSpPr txBox="1"/>
+          <p:nvPr/>
+        </p:nvSpPr>
+        <p:spPr>
+          <a:xfrm>
+            <a:off x="7458842" y="4040302"/>
+            <a:ext cx="465961" cy="369332"/>
+          </a:xfrm>
+          <a:prstGeom prst="rect">
+            <a:avLst/>
+          </a:prstGeom>
+          <a:noFill/>
+        </p:spPr>
+        <p:txBody>
+          <a:bodyPr wrap="none" rtlCol="0">
+            <a:spAutoFit/>
+          </a:bodyPr>
+          <a:lstStyle/>
+          <a:p>
+            <a:r>
+              <a:rPr lang="en-US" dirty="0"/>
+              <a:t>cat</a:t>
+            </a:r>
+          </a:p>
+        </p:txBody>
+      </p:sp>
+      <p:sp>
+        <p:nvSpPr>
+          <p:cNvPr id="33" name="TextBox 32">
+            <a:extLst>
+              <a:ext uri="{FF2B5EF4-FFF2-40B4-BE49-F238E27FC236}">
+                <a16:creationId xmlns:a16="http://schemas.microsoft.com/office/drawing/2014/main" id="{6F63FC99-1D47-524D-80C6-1EB85B59876B}"/>
+              </a:ext>
+            </a:extLst>
+          </p:cNvPr>
+          <p:cNvSpPr txBox="1"/>
+          <p:nvPr/>
+        </p:nvSpPr>
+        <p:spPr>
+          <a:xfrm>
+            <a:off x="1483497" y="640371"/>
+            <a:ext cx="680058" cy="369332"/>
+          </a:xfrm>
+          <a:prstGeom prst="rect">
+            <a:avLst/>
+          </a:prstGeom>
+          <a:noFill/>
+        </p:spPr>
+        <p:txBody>
+          <a:bodyPr wrap="none" rtlCol="0">
+            <a:spAutoFit/>
+          </a:bodyPr>
+          <a:lstStyle/>
+          <a:p>
+            <a:r>
+              <a:rPr lang="en-US" b="1" dirty="0">
+                <a:solidFill>
+                  <a:schemeClr val="accent1"/>
+                </a:solidFill>
+              </a:rPr>
+              <a:t>word</a:t>
+            </a:r>
+          </a:p>
+        </p:txBody>
+      </p:sp>
+      <p:sp>
+        <p:nvSpPr>
+          <p:cNvPr id="34" name="TextBox 33">
+            <a:extLst>
+              <a:ext uri="{FF2B5EF4-FFF2-40B4-BE49-F238E27FC236}">
+                <a16:creationId xmlns:a16="http://schemas.microsoft.com/office/drawing/2014/main" id="{CD0F2AFA-0DFF-5244-A84D-7CC161E2754F}"/>
+              </a:ext>
+            </a:extLst>
+          </p:cNvPr>
+          <p:cNvSpPr txBox="1"/>
+          <p:nvPr/>
+        </p:nvSpPr>
+        <p:spPr>
+          <a:xfrm>
+            <a:off x="7279511" y="1808152"/>
+            <a:ext cx="838691" cy="369332"/>
+          </a:xfrm>
+          <a:prstGeom prst="rect">
+            <a:avLst/>
+          </a:prstGeom>
+          <a:noFill/>
+        </p:spPr>
+        <p:txBody>
+          <a:bodyPr wrap="none" rtlCol="0">
+            <a:spAutoFit/>
+          </a:bodyPr>
+          <a:lstStyle/>
+          <a:p>
+            <a:r>
+              <a:rPr lang="en-US" b="1" dirty="0">
+                <a:solidFill>
+                  <a:schemeClr val="accent1"/>
+                </a:solidFill>
+              </a:rPr>
+              <a:t>output</a:t>
+            </a:r>
+          </a:p>
+        </p:txBody>
+      </p:sp>
+      <p:cxnSp>
+        <p:nvCxnSpPr>
+          <p:cNvPr id="35" name="Straight Connector 34">
+            <a:extLst>
+              <a:ext uri="{FF2B5EF4-FFF2-40B4-BE49-F238E27FC236}">
+                <a16:creationId xmlns:a16="http://schemas.microsoft.com/office/drawing/2014/main" id="{7EFFB3CF-9906-2E4D-AED5-73631A6BB630}"/>
+              </a:ext>
+            </a:extLst>
+          </p:cNvPr>
+          <p:cNvCxnSpPr>
+            <a:cxnSpLocks/>
+            <a:stCxn id="9" idx="3"/>
+            <a:endCxn id="44" idx="1"/>
+          </p:cNvCxnSpPr>
+          <p:nvPr/>
+        </p:nvCxnSpPr>
+        <p:spPr>
+          <a:xfrm>
+            <a:off x="3023619" y="1815870"/>
+            <a:ext cx="481266" cy="1192601"/>
+          </a:xfrm>
+          <a:prstGeom prst="line">
+            <a:avLst/>
+          </a:prstGeom>
+          <a:ln>
+            <a:solidFill>
+              <a:schemeClr val="tx1"/>
+            </a:solidFill>
+          </a:ln>
+        </p:spPr>
+        <p:style>
+          <a:lnRef idx="1">
+            <a:schemeClr val="accent1"/>
+          </a:lnRef>
+          <a:fillRef idx="0">
+            <a:schemeClr val="accent1"/>
+          </a:fillRef>
+          <a:effectRef idx="0">
+            <a:schemeClr val="accent1"/>
+          </a:effectRef>
+          <a:fontRef idx="minor">
+            <a:schemeClr val="tx1"/>
+          </a:fontRef>
+        </p:style>
+      </p:cxnSp>
+      <p:cxnSp>
+        <p:nvCxnSpPr>
+          <p:cNvPr id="36" name="Straight Connector 35">
+            <a:extLst>
+              <a:ext uri="{FF2B5EF4-FFF2-40B4-BE49-F238E27FC236}">
+                <a16:creationId xmlns:a16="http://schemas.microsoft.com/office/drawing/2014/main" id="{49E6070C-5BC5-1C4A-BBE0-C3087BD7561B}"/>
+              </a:ext>
+            </a:extLst>
+          </p:cNvPr>
+          <p:cNvCxnSpPr>
+            <a:cxnSpLocks/>
+            <a:stCxn id="29" idx="3"/>
+            <a:endCxn id="44" idx="1"/>
+          </p:cNvCxnSpPr>
+          <p:nvPr/>
+        </p:nvCxnSpPr>
+        <p:spPr>
+          <a:xfrm flipV="1">
+            <a:off x="3050002" y="3008471"/>
+            <a:ext cx="454883" cy="1381944"/>
+          </a:xfrm>
+          <a:prstGeom prst="line">
+            <a:avLst/>
+          </a:prstGeom>
+          <a:ln>
+            <a:solidFill>
+              <a:schemeClr val="tx1"/>
+            </a:solidFill>
+          </a:ln>
+        </p:spPr>
+        <p:style>
+          <a:lnRef idx="1">
+            <a:schemeClr val="accent1"/>
+          </a:lnRef>
+          <a:fillRef idx="0">
+            <a:schemeClr val="accent1"/>
+          </a:fillRef>
+          <a:effectRef idx="0">
+            <a:schemeClr val="accent1"/>
+          </a:effectRef>
+          <a:fontRef idx="minor">
+            <a:schemeClr val="tx1"/>
+          </a:fontRef>
+        </p:style>
+      </p:cxnSp>
+      <p:cxnSp>
+        <p:nvCxnSpPr>
+          <p:cNvPr id="39" name="Straight Connector 38">
+            <a:extLst>
+              <a:ext uri="{FF2B5EF4-FFF2-40B4-BE49-F238E27FC236}">
+                <a16:creationId xmlns:a16="http://schemas.microsoft.com/office/drawing/2014/main" id="{2C0CFB5A-AE1E-7248-8546-252890C7E916}"/>
+              </a:ext>
+            </a:extLst>
+          </p:cNvPr>
+          <p:cNvCxnSpPr>
+            <a:cxnSpLocks/>
+            <a:stCxn id="10" idx="3"/>
+            <a:endCxn id="31" idx="2"/>
+          </p:cNvCxnSpPr>
+          <p:nvPr/>
+        </p:nvCxnSpPr>
+        <p:spPr>
+          <a:xfrm>
+            <a:off x="6240281" y="2996425"/>
+            <a:ext cx="1249662" cy="13093"/>
+          </a:xfrm>
+          <a:prstGeom prst="line">
+            <a:avLst/>
+          </a:prstGeom>
+          <a:ln>
+            <a:solidFill>
+              <a:schemeClr val="tx1"/>
+            </a:solidFill>
+          </a:ln>
+        </p:spPr>
+        <p:style>
+          <a:lnRef idx="1">
+            <a:schemeClr val="accent1"/>
+          </a:lnRef>
+          <a:fillRef idx="0">
+            <a:schemeClr val="accent1"/>
+          </a:fillRef>
+          <a:effectRef idx="0">
+            <a:schemeClr val="accent1"/>
+          </a:effectRef>
+          <a:fontRef idx="minor">
+            <a:schemeClr val="tx1"/>
+          </a:fontRef>
+        </p:style>
+      </p:cxnSp>
+      <p:sp>
+        <p:nvSpPr>
+          <p:cNvPr id="40" name="TextBox 39">
+            <a:extLst>
+              <a:ext uri="{FF2B5EF4-FFF2-40B4-BE49-F238E27FC236}">
+                <a16:creationId xmlns:a16="http://schemas.microsoft.com/office/drawing/2014/main" id="{3A6581AC-C07F-7F44-A5EB-538345EA1B47}"/>
+              </a:ext>
+            </a:extLst>
+          </p:cNvPr>
+          <p:cNvSpPr txBox="1"/>
+          <p:nvPr/>
+        </p:nvSpPr>
+        <p:spPr>
+          <a:xfrm>
+            <a:off x="7506099" y="2786309"/>
+            <a:ext cx="418704" cy="369332"/>
+          </a:xfrm>
+          <a:prstGeom prst="rect">
+            <a:avLst/>
+          </a:prstGeom>
+          <a:noFill/>
+        </p:spPr>
+        <p:txBody>
+          <a:bodyPr wrap="none" rtlCol="0">
+            <a:spAutoFit/>
+          </a:bodyPr>
+          <a:lstStyle/>
+          <a:p>
+            <a:r>
+              <a:rPr lang="en-US" dirty="0"/>
+              <a:t>30</a:t>
+            </a:r>
+          </a:p>
+        </p:txBody>
+      </p:sp>
+      <p:sp>
+        <p:nvSpPr>
+          <p:cNvPr id="43" name="TextBox 42">
+            <a:extLst>
+              <a:ext uri="{FF2B5EF4-FFF2-40B4-BE49-F238E27FC236}">
+                <a16:creationId xmlns:a16="http://schemas.microsoft.com/office/drawing/2014/main" id="{3E46F1EB-1E8F-F944-9399-5117B02EB974}"/>
+              </a:ext>
+            </a:extLst>
+          </p:cNvPr>
+          <p:cNvSpPr txBox="1"/>
+          <p:nvPr/>
+        </p:nvSpPr>
+        <p:spPr>
+          <a:xfrm>
+            <a:off x="5303832" y="2183695"/>
+            <a:ext cx="1261884" cy="369332"/>
+          </a:xfrm>
+          <a:prstGeom prst="rect">
+            <a:avLst/>
+          </a:prstGeom>
+          <a:noFill/>
+        </p:spPr>
+        <p:txBody>
+          <a:bodyPr wrap="none" rtlCol="0">
+            <a:spAutoFit/>
+          </a:bodyPr>
+          <a:lstStyle/>
+          <a:p>
+            <a:r>
+              <a:rPr lang="en-US" b="1" dirty="0">
+                <a:solidFill>
+                  <a:schemeClr val="accent1"/>
+                </a:solidFill>
+              </a:rPr>
+              <a:t>embedding</a:t>
+            </a:r>
+          </a:p>
+        </p:txBody>
+      </p:sp>
+      <p:sp>
+        <p:nvSpPr>
+          <p:cNvPr id="44" name="Rectangle 43">
+            <a:extLst>
+              <a:ext uri="{FF2B5EF4-FFF2-40B4-BE49-F238E27FC236}">
+                <a16:creationId xmlns:a16="http://schemas.microsoft.com/office/drawing/2014/main" id="{F027F074-85D8-E34D-A9F4-3FF5460020E8}"/>
+              </a:ext>
+            </a:extLst>
+          </p:cNvPr>
+          <p:cNvSpPr/>
+          <p:nvPr/>
+        </p:nvSpPr>
+        <p:spPr>
+          <a:xfrm>
+            <a:off x="3504885" y="2642334"/>
+            <a:ext cx="2100749" cy="732273"/>
+          </a:xfrm>
+          <a:prstGeom prst="rect">
+            <a:avLst/>
+          </a:prstGeom>
+        </p:spPr>
+        <p:style>
+          <a:lnRef idx="2">
+            <a:schemeClr val="accent1">
+              <a:shade val="50000"/>
+            </a:schemeClr>
+          </a:lnRef>
+          <a:fillRef idx="1">
+            <a:schemeClr val="accent1"/>
+          </a:fillRef>
+          <a:effectRef idx="0">
+            <a:schemeClr val="accent1"/>
+          </a:effectRef>
+          <a:fontRef idx="minor">
+            <a:schemeClr val="lt1"/>
+          </a:fontRef>
+        </p:style>
+        <p:txBody>
+          <a:bodyPr rtlCol="0" anchor="ctr"/>
+          <a:lstStyle/>
+          <a:p>
+            <a:pPr algn="ctr"/>
+            <a:r>
+              <a:rPr lang="en-US" dirty="0"/>
+              <a:t>Bilinear(</a:t>
+            </a:r>
+            <a:r>
+              <a:rPr lang="en-US" dirty="0" err="1"/>
+              <a:t>w,c</a:t>
+            </a:r>
+            <a:r>
+              <a:rPr lang="en-US" dirty="0"/>
+              <a:t>)</a:t>
+            </a:r>
+          </a:p>
+        </p:txBody>
+      </p:sp>
+      <p:cxnSp>
+        <p:nvCxnSpPr>
+          <p:cNvPr id="50" name="Straight Connector 49">
+            <a:extLst>
+              <a:ext uri="{FF2B5EF4-FFF2-40B4-BE49-F238E27FC236}">
+                <a16:creationId xmlns:a16="http://schemas.microsoft.com/office/drawing/2014/main" id="{FC41C3B0-AF61-884E-A1D6-7E0AF415C6BA}"/>
+              </a:ext>
+            </a:extLst>
+          </p:cNvPr>
+          <p:cNvCxnSpPr>
+            <a:cxnSpLocks/>
+            <a:stCxn id="44" idx="3"/>
+            <a:endCxn id="10" idx="1"/>
+          </p:cNvCxnSpPr>
+          <p:nvPr/>
+        </p:nvCxnSpPr>
+        <p:spPr>
+          <a:xfrm flipV="1">
+            <a:off x="5605634" y="2996425"/>
+            <a:ext cx="332961" cy="12046"/>
+          </a:xfrm>
+          <a:prstGeom prst="line">
+            <a:avLst/>
+          </a:prstGeom>
+          <a:ln>
+            <a:solidFill>
+              <a:schemeClr val="tx1"/>
+            </a:solidFill>
+          </a:ln>
+        </p:spPr>
+        <p:style>
+          <a:lnRef idx="1">
+            <a:schemeClr val="accent1"/>
+          </a:lnRef>
+          <a:fillRef idx="0">
+            <a:schemeClr val="accent1"/>
+          </a:fillRef>
+          <a:effectRef idx="0">
+            <a:schemeClr val="accent1"/>
+          </a:effectRef>
+          <a:fontRef idx="minor">
+            <a:schemeClr val="tx1"/>
+          </a:fontRef>
+        </p:style>
+      </p:cxnSp>
+      <p:pic>
+        <p:nvPicPr>
+          <p:cNvPr id="2" name="Picture 1">
+            <a:extLst>
+              <a:ext uri="{FF2B5EF4-FFF2-40B4-BE49-F238E27FC236}">
+                <a16:creationId xmlns:a16="http://schemas.microsoft.com/office/drawing/2014/main" id="{58362E25-FA61-A44A-A362-60C267A41F6F}"/>
+              </a:ext>
+            </a:extLst>
+          </p:cNvPr>
+          <p:cNvPicPr>
+            <a:picLocks noChangeAspect="1"/>
+          </p:cNvPicPr>
+          <p:nvPr/>
+        </p:nvPicPr>
+        <p:blipFill>
+          <a:blip r:embed="rId2"/>
+          <a:stretch>
+            <a:fillRect/>
+          </a:stretch>
+        </p:blipFill>
+        <p:spPr>
+          <a:xfrm>
+            <a:off x="3309770" y="3618046"/>
+            <a:ext cx="3889304" cy="1583176"/>
+          </a:xfrm>
+          <a:prstGeom prst="rect">
+            <a:avLst/>
+          </a:prstGeom>
+        </p:spPr>
+      </p:pic>
+      <p:pic>
+        <p:nvPicPr>
+          <p:cNvPr id="7" name="Picture 6">
+            <a:extLst>
+              <a:ext uri="{FF2B5EF4-FFF2-40B4-BE49-F238E27FC236}">
+                <a16:creationId xmlns:a16="http://schemas.microsoft.com/office/drawing/2014/main" id="{DA0B60C0-894A-514B-9CE9-57A0E241C842}"/>
+              </a:ext>
+            </a:extLst>
+          </p:cNvPr>
+          <p:cNvPicPr>
+            <a:picLocks noChangeAspect="1"/>
+          </p:cNvPicPr>
+          <p:nvPr/>
+        </p:nvPicPr>
+        <p:blipFill>
+          <a:blip r:embed="rId3"/>
+          <a:stretch>
+            <a:fillRect/>
+          </a:stretch>
+        </p:blipFill>
+        <p:spPr>
+          <a:xfrm>
+            <a:off x="3857220" y="5501044"/>
+            <a:ext cx="5416991" cy="251223"/>
+          </a:xfrm>
+          <a:prstGeom prst="rect">
+            <a:avLst/>
+          </a:prstGeom>
+        </p:spPr>
+      </p:pic>
+      <p:pic>
+        <p:nvPicPr>
+          <p:cNvPr id="8" name="Picture 7">
+            <a:extLst>
+              <a:ext uri="{FF2B5EF4-FFF2-40B4-BE49-F238E27FC236}">
+                <a16:creationId xmlns:a16="http://schemas.microsoft.com/office/drawing/2014/main" id="{156C7205-EF20-F54A-A108-EE126F9C432F}"/>
+              </a:ext>
+            </a:extLst>
+          </p:cNvPr>
+          <p:cNvPicPr>
+            <a:picLocks noChangeAspect="1"/>
+          </p:cNvPicPr>
+          <p:nvPr/>
+        </p:nvPicPr>
+        <p:blipFill>
+          <a:blip r:embed="rId4"/>
+          <a:stretch>
+            <a:fillRect/>
+          </a:stretch>
+        </p:blipFill>
+        <p:spPr>
+          <a:xfrm>
+            <a:off x="3853368" y="5971076"/>
+            <a:ext cx="5487277" cy="254482"/>
+          </a:xfrm>
+          <a:prstGeom prst="rect">
+            <a:avLst/>
+          </a:prstGeom>
+        </p:spPr>
+      </p:pic>
+    </p:spTree>
+    <p:extLst>
+      <p:ext uri="{BB962C8B-B14F-4D97-AF65-F5344CB8AC3E}">
+        <p14:creationId xmlns:p14="http://schemas.microsoft.com/office/powerpoint/2010/main" val="1611246412"/>
+      </p:ext>
+    </p:extLst>
+  </p:cSld>
+  <p:clrMapOvr>
+    <a:masterClrMapping/>
+  </p:clrMapOvr>
+</p:sld>
+</file>
+
 <file path=ppt/slides/slide2.xml><?xml version="1.0" encoding="utf-8"?>
 <p:sld xmlns:a="http://schemas.openxmlformats.org/drawingml/2006/main" xmlns:r="http://schemas.openxmlformats.org/officeDocument/2006/relationships" xmlns:p="http://schemas.openxmlformats.org/presentationml/2006/main">
   <p:cSld>
@@ -14357,6 +16662,2472 @@
     <p:extLst>
       <p:ext uri="{BB962C8B-B14F-4D97-AF65-F5344CB8AC3E}">
         <p14:creationId xmlns:p14="http://schemas.microsoft.com/office/powerpoint/2010/main" val="4156331015"/>
+      </p:ext>
+    </p:extLst>
+  </p:cSld>
+  <p:clrMapOvr>
+    <a:masterClrMapping/>
+  </p:clrMapOvr>
+</p:sld>
+</file>
+
+<file path=ppt/slides/slide7.xml><?xml version="1.0" encoding="utf-8"?>
+<p:sld xmlns:a="http://schemas.openxmlformats.org/drawingml/2006/main" xmlns:r="http://schemas.openxmlformats.org/officeDocument/2006/relationships" xmlns:p="http://schemas.openxmlformats.org/presentationml/2006/main">
+  <p:cSld>
+    <p:spTree>
+      <p:nvGrpSpPr>
+        <p:cNvPr id="1" name=""/>
+        <p:cNvGrpSpPr/>
+        <p:nvPr/>
+      </p:nvGrpSpPr>
+      <p:grpSpPr>
+        <a:xfrm>
+          <a:off x="0" y="0"/>
+          <a:ext cx="0" cy="0"/>
+          <a:chOff x="0" y="0"/>
+          <a:chExt cx="0" cy="0"/>
+        </a:xfrm>
+      </p:grpSpPr>
+      <p:sp>
+        <p:nvSpPr>
+          <p:cNvPr id="6" name="TextBox 5">
+            <a:extLst>
+              <a:ext uri="{FF2B5EF4-FFF2-40B4-BE49-F238E27FC236}">
+                <a16:creationId xmlns:a16="http://schemas.microsoft.com/office/drawing/2014/main" id="{FD18C7B7-3043-FA4A-AEEC-0B29D7BED2AE}"/>
+              </a:ext>
+            </a:extLst>
+          </p:cNvPr>
+          <p:cNvSpPr txBox="1"/>
+          <p:nvPr/>
+        </p:nvSpPr>
+        <p:spPr>
+          <a:xfrm>
+            <a:off x="1418017" y="1376852"/>
+            <a:ext cx="491930" cy="369332"/>
+          </a:xfrm>
+          <a:prstGeom prst="rect">
+            <a:avLst/>
+          </a:prstGeom>
+          <a:noFill/>
+        </p:spPr>
+        <p:txBody>
+          <a:bodyPr wrap="none" rtlCol="0">
+            <a:spAutoFit/>
+          </a:bodyPr>
+          <a:lstStyle/>
+          <a:p>
+            <a:r>
+              <a:rPr lang="en-US" dirty="0"/>
+              <a:t>ant</a:t>
+            </a:r>
+          </a:p>
+        </p:txBody>
+      </p:sp>
+      <p:sp>
+        <p:nvSpPr>
+          <p:cNvPr id="7" name="TextBox 6">
+            <a:extLst>
+              <a:ext uri="{FF2B5EF4-FFF2-40B4-BE49-F238E27FC236}">
+                <a16:creationId xmlns:a16="http://schemas.microsoft.com/office/drawing/2014/main" id="{19B52E27-4EEF-8F47-9DEB-8AC150734C71}"/>
+              </a:ext>
+            </a:extLst>
+          </p:cNvPr>
+          <p:cNvSpPr txBox="1"/>
+          <p:nvPr/>
+        </p:nvSpPr>
+        <p:spPr>
+          <a:xfrm>
+            <a:off x="4364123" y="1392772"/>
+            <a:ext cx="1000467" cy="369332"/>
+          </a:xfrm>
+          <a:prstGeom prst="rect">
+            <a:avLst/>
+          </a:prstGeom>
+          <a:noFill/>
+        </p:spPr>
+        <p:txBody>
+          <a:bodyPr wrap="none" rtlCol="0">
+            <a:spAutoFit/>
+          </a:bodyPr>
+          <a:lstStyle/>
+          <a:p>
+            <a:r>
+              <a:rPr lang="en-US" dirty="0"/>
+              <a:t>aardvark</a:t>
+            </a:r>
+          </a:p>
+        </p:txBody>
+      </p:sp>
+      <p:sp>
+        <p:nvSpPr>
+          <p:cNvPr id="8" name="Oval 7">
+            <a:extLst>
+              <a:ext uri="{FF2B5EF4-FFF2-40B4-BE49-F238E27FC236}">
+                <a16:creationId xmlns:a16="http://schemas.microsoft.com/office/drawing/2014/main" id="{C5BC6F39-C421-5349-AA48-C7F77D2B929E}"/>
+              </a:ext>
+            </a:extLst>
+          </p:cNvPr>
+          <p:cNvSpPr/>
+          <p:nvPr/>
+        </p:nvSpPr>
+        <p:spPr>
+          <a:xfrm>
+            <a:off x="2966851" y="194146"/>
+            <a:ext cx="619497" cy="594963"/>
+          </a:xfrm>
+          <a:prstGeom prst="ellipse">
+            <a:avLst/>
+          </a:prstGeom>
+          <a:noFill/>
+          <a:ln>
+            <a:solidFill>
+              <a:schemeClr val="tx1"/>
+            </a:solidFill>
+          </a:ln>
+        </p:spPr>
+        <p:style>
+          <a:lnRef idx="2">
+            <a:schemeClr val="accent1">
+              <a:shade val="50000"/>
+            </a:schemeClr>
+          </a:lnRef>
+          <a:fillRef idx="1">
+            <a:schemeClr val="accent1"/>
+          </a:fillRef>
+          <a:effectRef idx="0">
+            <a:schemeClr val="accent1"/>
+          </a:effectRef>
+          <a:fontRef idx="minor">
+            <a:schemeClr val="lt1"/>
+          </a:fontRef>
+        </p:style>
+        <p:txBody>
+          <a:bodyPr rtlCol="0" anchor="ctr"/>
+          <a:lstStyle/>
+          <a:p>
+            <a:pPr algn="ctr"/>
+            <a:endParaRPr lang="en-US"/>
+          </a:p>
+        </p:txBody>
+      </p:sp>
+      <p:sp>
+        <p:nvSpPr>
+          <p:cNvPr id="9" name="TextBox 8">
+            <a:extLst>
+              <a:ext uri="{FF2B5EF4-FFF2-40B4-BE49-F238E27FC236}">
+                <a16:creationId xmlns:a16="http://schemas.microsoft.com/office/drawing/2014/main" id="{BA50CC3E-6D60-A040-AACB-00C684CD7409}"/>
+              </a:ext>
+            </a:extLst>
+          </p:cNvPr>
+          <p:cNvSpPr txBox="1"/>
+          <p:nvPr/>
+        </p:nvSpPr>
+        <p:spPr>
+          <a:xfrm>
+            <a:off x="2966851" y="276075"/>
+            <a:ext cx="595582" cy="369332"/>
+          </a:xfrm>
+          <a:prstGeom prst="rect">
+            <a:avLst/>
+          </a:prstGeom>
+          <a:noFill/>
+        </p:spPr>
+        <p:txBody>
+          <a:bodyPr wrap="square" rtlCol="0">
+            <a:spAutoFit/>
+          </a:bodyPr>
+          <a:lstStyle/>
+          <a:p>
+            <a:r>
+              <a:rPr lang="en-US"/>
+              <a:t>.012</a:t>
+            </a:r>
+          </a:p>
+        </p:txBody>
+      </p:sp>
+      <p:sp>
+        <p:nvSpPr>
+          <p:cNvPr id="10" name="Oval 9">
+            <a:extLst>
+              <a:ext uri="{FF2B5EF4-FFF2-40B4-BE49-F238E27FC236}">
+                <a16:creationId xmlns:a16="http://schemas.microsoft.com/office/drawing/2014/main" id="{91E365A3-4DE4-6446-8EC4-5C5DE12CD7EC}"/>
+              </a:ext>
+            </a:extLst>
+          </p:cNvPr>
+          <p:cNvSpPr/>
+          <p:nvPr/>
+        </p:nvSpPr>
+        <p:spPr>
+          <a:xfrm>
+            <a:off x="2966851" y="859885"/>
+            <a:ext cx="619497" cy="594963"/>
+          </a:xfrm>
+          <a:prstGeom prst="ellipse">
+            <a:avLst/>
+          </a:prstGeom>
+          <a:noFill/>
+          <a:ln>
+            <a:solidFill>
+              <a:schemeClr val="tx1"/>
+            </a:solidFill>
+          </a:ln>
+        </p:spPr>
+        <p:style>
+          <a:lnRef idx="2">
+            <a:schemeClr val="accent1">
+              <a:shade val="50000"/>
+            </a:schemeClr>
+          </a:lnRef>
+          <a:fillRef idx="1">
+            <a:schemeClr val="accent1"/>
+          </a:fillRef>
+          <a:effectRef idx="0">
+            <a:schemeClr val="accent1"/>
+          </a:effectRef>
+          <a:fontRef idx="minor">
+            <a:schemeClr val="lt1"/>
+          </a:fontRef>
+        </p:style>
+        <p:txBody>
+          <a:bodyPr rtlCol="0" anchor="ctr"/>
+          <a:lstStyle/>
+          <a:p>
+            <a:pPr algn="ctr"/>
+            <a:endParaRPr lang="en-US"/>
+          </a:p>
+        </p:txBody>
+      </p:sp>
+      <p:sp>
+        <p:nvSpPr>
+          <p:cNvPr id="11" name="TextBox 10">
+            <a:extLst>
+              <a:ext uri="{FF2B5EF4-FFF2-40B4-BE49-F238E27FC236}">
+                <a16:creationId xmlns:a16="http://schemas.microsoft.com/office/drawing/2014/main" id="{19BCFA30-6F1A-A94C-A2DE-172299805576}"/>
+              </a:ext>
+            </a:extLst>
+          </p:cNvPr>
+          <p:cNvSpPr txBox="1"/>
+          <p:nvPr/>
+        </p:nvSpPr>
+        <p:spPr>
+          <a:xfrm>
+            <a:off x="2966851" y="941814"/>
+            <a:ext cx="595582" cy="369332"/>
+          </a:xfrm>
+          <a:prstGeom prst="rect">
+            <a:avLst/>
+          </a:prstGeom>
+          <a:noFill/>
+        </p:spPr>
+        <p:txBody>
+          <a:bodyPr wrap="square" rtlCol="0">
+            <a:spAutoFit/>
+          </a:bodyPr>
+          <a:lstStyle/>
+          <a:p>
+            <a:r>
+              <a:rPr lang="en-US" dirty="0"/>
+              <a:t>.001</a:t>
+            </a:r>
+          </a:p>
+        </p:txBody>
+      </p:sp>
+      <p:sp>
+        <p:nvSpPr>
+          <p:cNvPr id="20" name="Oval 19">
+            <a:extLst>
+              <a:ext uri="{FF2B5EF4-FFF2-40B4-BE49-F238E27FC236}">
+                <a16:creationId xmlns:a16="http://schemas.microsoft.com/office/drawing/2014/main" id="{79229941-5D6B-5043-9D3B-5C2659CBD6E0}"/>
+              </a:ext>
+            </a:extLst>
+          </p:cNvPr>
+          <p:cNvSpPr/>
+          <p:nvPr/>
+        </p:nvSpPr>
+        <p:spPr>
+          <a:xfrm>
+            <a:off x="1506186" y="900544"/>
+            <a:ext cx="403761" cy="451263"/>
+          </a:xfrm>
+          <a:prstGeom prst="ellipse">
+            <a:avLst/>
+          </a:prstGeom>
+          <a:noFill/>
+          <a:ln>
+            <a:solidFill>
+              <a:schemeClr val="tx1"/>
+            </a:solidFill>
+          </a:ln>
+        </p:spPr>
+        <p:style>
+          <a:lnRef idx="2">
+            <a:schemeClr val="accent1">
+              <a:shade val="50000"/>
+            </a:schemeClr>
+          </a:lnRef>
+          <a:fillRef idx="1">
+            <a:schemeClr val="accent1"/>
+          </a:fillRef>
+          <a:effectRef idx="0">
+            <a:schemeClr val="accent1"/>
+          </a:effectRef>
+          <a:fontRef idx="minor">
+            <a:schemeClr val="lt1"/>
+          </a:fontRef>
+        </p:style>
+        <p:txBody>
+          <a:bodyPr rtlCol="0" anchor="ctr"/>
+          <a:lstStyle/>
+          <a:p>
+            <a:pPr algn="ctr"/>
+            <a:endParaRPr lang="en-US"/>
+          </a:p>
+        </p:txBody>
+      </p:sp>
+      <p:sp>
+        <p:nvSpPr>
+          <p:cNvPr id="23" name="Oval 22">
+            <a:extLst>
+              <a:ext uri="{FF2B5EF4-FFF2-40B4-BE49-F238E27FC236}">
+                <a16:creationId xmlns:a16="http://schemas.microsoft.com/office/drawing/2014/main" id="{EDD9853A-A50B-CE4F-85C0-16F69574C210}"/>
+              </a:ext>
+            </a:extLst>
+          </p:cNvPr>
+          <p:cNvSpPr/>
+          <p:nvPr/>
+        </p:nvSpPr>
+        <p:spPr>
+          <a:xfrm>
+            <a:off x="4662476" y="900543"/>
+            <a:ext cx="403761" cy="451263"/>
+          </a:xfrm>
+          <a:prstGeom prst="ellipse">
+            <a:avLst/>
+          </a:prstGeom>
+          <a:noFill/>
+          <a:ln>
+            <a:solidFill>
+              <a:schemeClr val="tx1"/>
+            </a:solidFill>
+          </a:ln>
+        </p:spPr>
+        <p:style>
+          <a:lnRef idx="2">
+            <a:schemeClr val="accent1">
+              <a:shade val="50000"/>
+            </a:schemeClr>
+          </a:lnRef>
+          <a:fillRef idx="1">
+            <a:schemeClr val="accent1"/>
+          </a:fillRef>
+          <a:effectRef idx="0">
+            <a:schemeClr val="accent1"/>
+          </a:effectRef>
+          <a:fontRef idx="minor">
+            <a:schemeClr val="lt1"/>
+          </a:fontRef>
+        </p:style>
+        <p:txBody>
+          <a:bodyPr rtlCol="0" anchor="ctr"/>
+          <a:lstStyle/>
+          <a:p>
+            <a:pPr algn="ctr"/>
+            <a:endParaRPr lang="en-US"/>
+          </a:p>
+        </p:txBody>
+      </p:sp>
+      <p:cxnSp>
+        <p:nvCxnSpPr>
+          <p:cNvPr id="25" name="Straight Connector 24">
+            <a:extLst>
+              <a:ext uri="{FF2B5EF4-FFF2-40B4-BE49-F238E27FC236}">
+                <a16:creationId xmlns:a16="http://schemas.microsoft.com/office/drawing/2014/main" id="{6BAF9610-BB0C-6148-861B-744985F2884B}"/>
+              </a:ext>
+            </a:extLst>
+          </p:cNvPr>
+          <p:cNvCxnSpPr>
+            <a:stCxn id="20" idx="6"/>
+            <a:endCxn id="8" idx="2"/>
+          </p:cNvCxnSpPr>
+          <p:nvPr/>
+        </p:nvCxnSpPr>
+        <p:spPr>
+          <a:xfrm flipV="1">
+            <a:off x="1909947" y="491628"/>
+            <a:ext cx="1056904" cy="634548"/>
+          </a:xfrm>
+          <a:prstGeom prst="line">
+            <a:avLst/>
+          </a:prstGeom>
+          <a:ln>
+            <a:solidFill>
+              <a:schemeClr val="tx1"/>
+            </a:solidFill>
+          </a:ln>
+        </p:spPr>
+        <p:style>
+          <a:lnRef idx="1">
+            <a:schemeClr val="accent1"/>
+          </a:lnRef>
+          <a:fillRef idx="0">
+            <a:schemeClr val="accent1"/>
+          </a:fillRef>
+          <a:effectRef idx="0">
+            <a:schemeClr val="accent1"/>
+          </a:effectRef>
+          <a:fontRef idx="minor">
+            <a:schemeClr val="tx1"/>
+          </a:fontRef>
+        </p:style>
+      </p:cxnSp>
+      <p:cxnSp>
+        <p:nvCxnSpPr>
+          <p:cNvPr id="26" name="Straight Connector 25">
+            <a:extLst>
+              <a:ext uri="{FF2B5EF4-FFF2-40B4-BE49-F238E27FC236}">
+                <a16:creationId xmlns:a16="http://schemas.microsoft.com/office/drawing/2014/main" id="{CE760520-B6CD-B840-8C12-A76205D647F9}"/>
+              </a:ext>
+            </a:extLst>
+          </p:cNvPr>
+          <p:cNvCxnSpPr>
+            <a:cxnSpLocks/>
+            <a:stCxn id="20" idx="6"/>
+            <a:endCxn id="11" idx="1"/>
+          </p:cNvCxnSpPr>
+          <p:nvPr/>
+        </p:nvCxnSpPr>
+        <p:spPr>
+          <a:xfrm>
+            <a:off x="1909947" y="1126176"/>
+            <a:ext cx="1056904" cy="304"/>
+          </a:xfrm>
+          <a:prstGeom prst="line">
+            <a:avLst/>
+          </a:prstGeom>
+          <a:ln>
+            <a:solidFill>
+              <a:schemeClr val="tx1"/>
+            </a:solidFill>
+          </a:ln>
+        </p:spPr>
+        <p:style>
+          <a:lnRef idx="1">
+            <a:schemeClr val="accent1"/>
+          </a:lnRef>
+          <a:fillRef idx="0">
+            <a:schemeClr val="accent1"/>
+          </a:fillRef>
+          <a:effectRef idx="0">
+            <a:schemeClr val="accent1"/>
+          </a:effectRef>
+          <a:fontRef idx="minor">
+            <a:schemeClr val="tx1"/>
+          </a:fontRef>
+        </p:style>
+      </p:cxnSp>
+      <p:cxnSp>
+        <p:nvCxnSpPr>
+          <p:cNvPr id="48" name="Straight Connector 47">
+            <a:extLst>
+              <a:ext uri="{FF2B5EF4-FFF2-40B4-BE49-F238E27FC236}">
+                <a16:creationId xmlns:a16="http://schemas.microsoft.com/office/drawing/2014/main" id="{89E4CF34-852C-C443-89C1-FEA6881C485C}"/>
+              </a:ext>
+            </a:extLst>
+          </p:cNvPr>
+          <p:cNvCxnSpPr>
+            <a:cxnSpLocks/>
+            <a:stCxn id="8" idx="6"/>
+            <a:endCxn id="23" idx="2"/>
+          </p:cNvCxnSpPr>
+          <p:nvPr/>
+        </p:nvCxnSpPr>
+        <p:spPr>
+          <a:xfrm>
+            <a:off x="3586348" y="491628"/>
+            <a:ext cx="1076128" cy="634547"/>
+          </a:xfrm>
+          <a:prstGeom prst="line">
+            <a:avLst/>
+          </a:prstGeom>
+          <a:ln>
+            <a:solidFill>
+              <a:schemeClr val="tx1"/>
+            </a:solidFill>
+          </a:ln>
+        </p:spPr>
+        <p:style>
+          <a:lnRef idx="1">
+            <a:schemeClr val="accent1"/>
+          </a:lnRef>
+          <a:fillRef idx="0">
+            <a:schemeClr val="accent1"/>
+          </a:fillRef>
+          <a:effectRef idx="0">
+            <a:schemeClr val="accent1"/>
+          </a:effectRef>
+          <a:fontRef idx="minor">
+            <a:schemeClr val="tx1"/>
+          </a:fontRef>
+        </p:style>
+      </p:cxnSp>
+      <p:cxnSp>
+        <p:nvCxnSpPr>
+          <p:cNvPr id="49" name="Straight Connector 48">
+            <a:extLst>
+              <a:ext uri="{FF2B5EF4-FFF2-40B4-BE49-F238E27FC236}">
+                <a16:creationId xmlns:a16="http://schemas.microsoft.com/office/drawing/2014/main" id="{E69B6768-C6E6-D946-9CF9-A839AD0B31AE}"/>
+              </a:ext>
+            </a:extLst>
+          </p:cNvPr>
+          <p:cNvCxnSpPr>
+            <a:cxnSpLocks/>
+            <a:stCxn id="10" idx="6"/>
+            <a:endCxn id="23" idx="2"/>
+          </p:cNvCxnSpPr>
+          <p:nvPr/>
+        </p:nvCxnSpPr>
+        <p:spPr>
+          <a:xfrm flipV="1">
+            <a:off x="3586348" y="1126175"/>
+            <a:ext cx="1076128" cy="31192"/>
+          </a:xfrm>
+          <a:prstGeom prst="line">
+            <a:avLst/>
+          </a:prstGeom>
+          <a:ln>
+            <a:solidFill>
+              <a:schemeClr val="tx1"/>
+            </a:solidFill>
+          </a:ln>
+        </p:spPr>
+        <p:style>
+          <a:lnRef idx="1">
+            <a:schemeClr val="accent1"/>
+          </a:lnRef>
+          <a:fillRef idx="0">
+            <a:schemeClr val="accent1"/>
+          </a:fillRef>
+          <a:effectRef idx="0">
+            <a:schemeClr val="accent1"/>
+          </a:effectRef>
+          <a:fontRef idx="minor">
+            <a:schemeClr val="tx1"/>
+          </a:fontRef>
+        </p:style>
+      </p:cxnSp>
+      <p:sp>
+        <p:nvSpPr>
+          <p:cNvPr id="51" name="TextBox 50">
+            <a:extLst>
+              <a:ext uri="{FF2B5EF4-FFF2-40B4-BE49-F238E27FC236}">
+                <a16:creationId xmlns:a16="http://schemas.microsoft.com/office/drawing/2014/main" id="{1B2F3C79-D22D-9041-90D3-EECDCFE19799}"/>
+              </a:ext>
+            </a:extLst>
+          </p:cNvPr>
+          <p:cNvSpPr txBox="1"/>
+          <p:nvPr/>
+        </p:nvSpPr>
+        <p:spPr>
+          <a:xfrm>
+            <a:off x="2564899" y="1561518"/>
+            <a:ext cx="1313052" cy="369332"/>
+          </a:xfrm>
+          <a:prstGeom prst="rect">
+            <a:avLst/>
+          </a:prstGeom>
+          <a:noFill/>
+        </p:spPr>
+        <p:txBody>
+          <a:bodyPr wrap="none" rtlCol="0">
+            <a:spAutoFit/>
+          </a:bodyPr>
+          <a:lstStyle/>
+          <a:p>
+            <a:r>
+              <a:rPr lang="en-US" dirty="0"/>
+              <a:t>word vector</a:t>
+            </a:r>
+          </a:p>
+        </p:txBody>
+      </p:sp>
+    </p:spTree>
+    <p:extLst>
+      <p:ext uri="{BB962C8B-B14F-4D97-AF65-F5344CB8AC3E}">
+        <p14:creationId xmlns:p14="http://schemas.microsoft.com/office/powerpoint/2010/main" val="1052284914"/>
+      </p:ext>
+    </p:extLst>
+  </p:cSld>
+  <p:clrMapOvr>
+    <a:masterClrMapping/>
+  </p:clrMapOvr>
+</p:sld>
+</file>
+
+<file path=ppt/slides/slide8.xml><?xml version="1.0" encoding="utf-8"?>
+<p:sld xmlns:a="http://schemas.openxmlformats.org/drawingml/2006/main" xmlns:r="http://schemas.openxmlformats.org/officeDocument/2006/relationships" xmlns:p="http://schemas.openxmlformats.org/presentationml/2006/main">
+  <p:cSld>
+    <p:spTree>
+      <p:nvGrpSpPr>
+        <p:cNvPr id="1" name=""/>
+        <p:cNvGrpSpPr/>
+        <p:nvPr/>
+      </p:nvGrpSpPr>
+      <p:grpSpPr>
+        <a:xfrm>
+          <a:off x="0" y="0"/>
+          <a:ext cx="0" cy="0"/>
+          <a:chOff x="0" y="0"/>
+          <a:chExt cx="0" cy="0"/>
+        </a:xfrm>
+      </p:grpSpPr>
+      <p:sp>
+        <p:nvSpPr>
+          <p:cNvPr id="6" name="TextBox 5">
+            <a:extLst>
+              <a:ext uri="{FF2B5EF4-FFF2-40B4-BE49-F238E27FC236}">
+                <a16:creationId xmlns:a16="http://schemas.microsoft.com/office/drawing/2014/main" id="{FD18C7B7-3043-FA4A-AEEC-0B29D7BED2AE}"/>
+              </a:ext>
+            </a:extLst>
+          </p:cNvPr>
+          <p:cNvSpPr txBox="1"/>
+          <p:nvPr/>
+        </p:nvSpPr>
+        <p:spPr>
+          <a:xfrm>
+            <a:off x="1567887" y="1118500"/>
+            <a:ext cx="537327" cy="369332"/>
+          </a:xfrm>
+          <a:prstGeom prst="rect">
+            <a:avLst/>
+          </a:prstGeom>
+          <a:noFill/>
+        </p:spPr>
+        <p:txBody>
+          <a:bodyPr wrap="none" rtlCol="0">
+            <a:spAutoFit/>
+          </a:bodyPr>
+          <a:lstStyle/>
+          <a:p>
+            <a:r>
+              <a:rPr lang="en-US" dirty="0"/>
+              <a:t>bee</a:t>
+            </a:r>
+          </a:p>
+        </p:txBody>
+      </p:sp>
+      <p:sp>
+        <p:nvSpPr>
+          <p:cNvPr id="7" name="TextBox 6">
+            <a:extLst>
+              <a:ext uri="{FF2B5EF4-FFF2-40B4-BE49-F238E27FC236}">
+                <a16:creationId xmlns:a16="http://schemas.microsoft.com/office/drawing/2014/main" id="{19B52E27-4EEF-8F47-9DEB-8AC150734C71}"/>
+              </a:ext>
+            </a:extLst>
+          </p:cNvPr>
+          <p:cNvSpPr txBox="1"/>
+          <p:nvPr/>
+        </p:nvSpPr>
+        <p:spPr>
+          <a:xfrm>
+            <a:off x="5980527" y="2326322"/>
+            <a:ext cx="710194" cy="369332"/>
+          </a:xfrm>
+          <a:prstGeom prst="rect">
+            <a:avLst/>
+          </a:prstGeom>
+          <a:noFill/>
+        </p:spPr>
+        <p:txBody>
+          <a:bodyPr wrap="none" rtlCol="0">
+            <a:spAutoFit/>
+          </a:bodyPr>
+          <a:lstStyle/>
+          <a:p>
+            <a:r>
+              <a:rPr lang="en-US" dirty="0"/>
+              <a:t>cobra</a:t>
+            </a:r>
+          </a:p>
+        </p:txBody>
+      </p:sp>
+      <p:sp>
+        <p:nvSpPr>
+          <p:cNvPr id="20" name="Oval 19">
+            <a:extLst>
+              <a:ext uri="{FF2B5EF4-FFF2-40B4-BE49-F238E27FC236}">
+                <a16:creationId xmlns:a16="http://schemas.microsoft.com/office/drawing/2014/main" id="{79229941-5D6B-5043-9D3B-5C2659CBD6E0}"/>
+              </a:ext>
+            </a:extLst>
+          </p:cNvPr>
+          <p:cNvSpPr/>
+          <p:nvPr/>
+        </p:nvSpPr>
+        <p:spPr>
+          <a:xfrm>
+            <a:off x="1634671" y="615357"/>
+            <a:ext cx="403761" cy="451263"/>
+          </a:xfrm>
+          <a:prstGeom prst="ellipse">
+            <a:avLst/>
+          </a:prstGeom>
+          <a:noFill/>
+          <a:ln>
+            <a:solidFill>
+              <a:schemeClr val="tx1"/>
+            </a:solidFill>
+          </a:ln>
+        </p:spPr>
+        <p:style>
+          <a:lnRef idx="2">
+            <a:schemeClr val="accent1">
+              <a:shade val="50000"/>
+            </a:schemeClr>
+          </a:lnRef>
+          <a:fillRef idx="1">
+            <a:schemeClr val="accent1"/>
+          </a:fillRef>
+          <a:effectRef idx="0">
+            <a:schemeClr val="accent1"/>
+          </a:effectRef>
+          <a:fontRef idx="minor">
+            <a:schemeClr val="lt1"/>
+          </a:fontRef>
+        </p:style>
+        <p:txBody>
+          <a:bodyPr rtlCol="0" anchor="ctr"/>
+          <a:lstStyle/>
+          <a:p>
+            <a:pPr algn="ctr"/>
+            <a:endParaRPr lang="en-US"/>
+          </a:p>
+        </p:txBody>
+      </p:sp>
+      <p:sp>
+        <p:nvSpPr>
+          <p:cNvPr id="23" name="Oval 22">
+            <a:extLst>
+              <a:ext uri="{FF2B5EF4-FFF2-40B4-BE49-F238E27FC236}">
+                <a16:creationId xmlns:a16="http://schemas.microsoft.com/office/drawing/2014/main" id="{EDD9853A-A50B-CE4F-85C0-16F69574C210}"/>
+              </a:ext>
+            </a:extLst>
+          </p:cNvPr>
+          <p:cNvSpPr/>
+          <p:nvPr/>
+        </p:nvSpPr>
+        <p:spPr>
+          <a:xfrm>
+            <a:off x="6096000" y="1834093"/>
+            <a:ext cx="403761" cy="451263"/>
+          </a:xfrm>
+          <a:prstGeom prst="ellipse">
+            <a:avLst/>
+          </a:prstGeom>
+          <a:noFill/>
+          <a:ln>
+            <a:solidFill>
+              <a:schemeClr val="tx1"/>
+            </a:solidFill>
+          </a:ln>
+        </p:spPr>
+        <p:style>
+          <a:lnRef idx="2">
+            <a:schemeClr val="accent1">
+              <a:shade val="50000"/>
+            </a:schemeClr>
+          </a:lnRef>
+          <a:fillRef idx="1">
+            <a:schemeClr val="accent1"/>
+          </a:fillRef>
+          <a:effectRef idx="0">
+            <a:schemeClr val="accent1"/>
+          </a:effectRef>
+          <a:fontRef idx="minor">
+            <a:schemeClr val="lt1"/>
+          </a:fontRef>
+        </p:style>
+        <p:txBody>
+          <a:bodyPr rtlCol="0" anchor="ctr"/>
+          <a:lstStyle/>
+          <a:p>
+            <a:pPr algn="ctr"/>
+            <a:endParaRPr lang="en-US"/>
+          </a:p>
+        </p:txBody>
+      </p:sp>
+      <p:cxnSp>
+        <p:nvCxnSpPr>
+          <p:cNvPr id="48" name="Straight Connector 47">
+            <a:extLst>
+              <a:ext uri="{FF2B5EF4-FFF2-40B4-BE49-F238E27FC236}">
+                <a16:creationId xmlns:a16="http://schemas.microsoft.com/office/drawing/2014/main" id="{89E4CF34-852C-C443-89C1-FEA6881C485C}"/>
+              </a:ext>
+            </a:extLst>
+          </p:cNvPr>
+          <p:cNvCxnSpPr>
+            <a:cxnSpLocks/>
+            <a:endCxn id="23" idx="2"/>
+          </p:cNvCxnSpPr>
+          <p:nvPr/>
+        </p:nvCxnSpPr>
+        <p:spPr>
+          <a:xfrm>
+            <a:off x="4826012" y="1487832"/>
+            <a:ext cx="1269988" cy="571893"/>
+          </a:xfrm>
+          <a:prstGeom prst="line">
+            <a:avLst/>
+          </a:prstGeom>
+          <a:ln>
+            <a:solidFill>
+              <a:schemeClr val="tx1"/>
+            </a:solidFill>
+          </a:ln>
+        </p:spPr>
+        <p:style>
+          <a:lnRef idx="1">
+            <a:schemeClr val="accent1"/>
+          </a:lnRef>
+          <a:fillRef idx="0">
+            <a:schemeClr val="accent1"/>
+          </a:fillRef>
+          <a:effectRef idx="0">
+            <a:schemeClr val="accent1"/>
+          </a:effectRef>
+          <a:fontRef idx="minor">
+            <a:schemeClr val="tx1"/>
+          </a:fontRef>
+        </p:style>
+      </p:cxnSp>
+      <p:cxnSp>
+        <p:nvCxnSpPr>
+          <p:cNvPr id="49" name="Straight Connector 48">
+            <a:extLst>
+              <a:ext uri="{FF2B5EF4-FFF2-40B4-BE49-F238E27FC236}">
+                <a16:creationId xmlns:a16="http://schemas.microsoft.com/office/drawing/2014/main" id="{E69B6768-C6E6-D946-9CF9-A839AD0B31AE}"/>
+              </a:ext>
+            </a:extLst>
+          </p:cNvPr>
+          <p:cNvCxnSpPr>
+            <a:cxnSpLocks/>
+            <a:endCxn id="23" idx="2"/>
+          </p:cNvCxnSpPr>
+          <p:nvPr/>
+        </p:nvCxnSpPr>
+        <p:spPr>
+          <a:xfrm flipV="1">
+            <a:off x="4826012" y="2059725"/>
+            <a:ext cx="1269988" cy="571892"/>
+          </a:xfrm>
+          <a:prstGeom prst="line">
+            <a:avLst/>
+          </a:prstGeom>
+          <a:ln>
+            <a:solidFill>
+              <a:schemeClr val="tx1"/>
+            </a:solidFill>
+          </a:ln>
+        </p:spPr>
+        <p:style>
+          <a:lnRef idx="1">
+            <a:schemeClr val="accent1"/>
+          </a:lnRef>
+          <a:fillRef idx="0">
+            <a:schemeClr val="accent1"/>
+          </a:fillRef>
+          <a:effectRef idx="0">
+            <a:schemeClr val="accent1"/>
+          </a:effectRef>
+          <a:fontRef idx="minor">
+            <a:schemeClr val="tx1"/>
+          </a:fontRef>
+        </p:style>
+      </p:cxnSp>
+      <p:sp>
+        <p:nvSpPr>
+          <p:cNvPr id="15" name="Oval 14">
+            <a:extLst>
+              <a:ext uri="{FF2B5EF4-FFF2-40B4-BE49-F238E27FC236}">
+                <a16:creationId xmlns:a16="http://schemas.microsoft.com/office/drawing/2014/main" id="{5B18B3F0-0B39-4549-879E-473A79C4F7DA}"/>
+              </a:ext>
+            </a:extLst>
+          </p:cNvPr>
+          <p:cNvSpPr/>
+          <p:nvPr/>
+        </p:nvSpPr>
+        <p:spPr>
+          <a:xfrm>
+            <a:off x="1634671" y="2806440"/>
+            <a:ext cx="403761" cy="451263"/>
+          </a:xfrm>
+          <a:prstGeom prst="ellipse">
+            <a:avLst/>
+          </a:prstGeom>
+          <a:noFill/>
+          <a:ln>
+            <a:solidFill>
+              <a:schemeClr val="tx1"/>
+            </a:solidFill>
+          </a:ln>
+        </p:spPr>
+        <p:style>
+          <a:lnRef idx="2">
+            <a:schemeClr val="accent1">
+              <a:shade val="50000"/>
+            </a:schemeClr>
+          </a:lnRef>
+          <a:fillRef idx="1">
+            <a:schemeClr val="accent1"/>
+          </a:fillRef>
+          <a:effectRef idx="0">
+            <a:schemeClr val="accent1"/>
+          </a:effectRef>
+          <a:fontRef idx="minor">
+            <a:schemeClr val="lt1"/>
+          </a:fontRef>
+        </p:style>
+        <p:txBody>
+          <a:bodyPr rtlCol="0" anchor="ctr"/>
+          <a:lstStyle/>
+          <a:p>
+            <a:pPr algn="ctr"/>
+            <a:endParaRPr lang="en-US"/>
+          </a:p>
+        </p:txBody>
+      </p:sp>
+      <p:sp>
+        <p:nvSpPr>
+          <p:cNvPr id="18" name="TextBox 17">
+            <a:extLst>
+              <a:ext uri="{FF2B5EF4-FFF2-40B4-BE49-F238E27FC236}">
+                <a16:creationId xmlns:a16="http://schemas.microsoft.com/office/drawing/2014/main" id="{20A50958-159E-3D47-A91D-ADB56005FE49}"/>
+              </a:ext>
+            </a:extLst>
+          </p:cNvPr>
+          <p:cNvSpPr txBox="1"/>
+          <p:nvPr/>
+        </p:nvSpPr>
+        <p:spPr>
+          <a:xfrm>
+            <a:off x="1572471" y="3261375"/>
+            <a:ext cx="465961" cy="369332"/>
+          </a:xfrm>
+          <a:prstGeom prst="rect">
+            <a:avLst/>
+          </a:prstGeom>
+          <a:noFill/>
+        </p:spPr>
+        <p:txBody>
+          <a:bodyPr wrap="none" rtlCol="0">
+            <a:spAutoFit/>
+          </a:bodyPr>
+          <a:lstStyle/>
+          <a:p>
+            <a:r>
+              <a:rPr lang="en-US" dirty="0"/>
+              <a:t>cat</a:t>
+            </a:r>
+          </a:p>
+        </p:txBody>
+      </p:sp>
+      <p:cxnSp>
+        <p:nvCxnSpPr>
+          <p:cNvPr id="21" name="Straight Connector 20">
+            <a:extLst>
+              <a:ext uri="{FF2B5EF4-FFF2-40B4-BE49-F238E27FC236}">
+                <a16:creationId xmlns:a16="http://schemas.microsoft.com/office/drawing/2014/main" id="{D19F2264-851E-0B43-A354-13F0EA645DC2}"/>
+              </a:ext>
+            </a:extLst>
+          </p:cNvPr>
+          <p:cNvCxnSpPr>
+            <a:cxnSpLocks/>
+          </p:cNvCxnSpPr>
+          <p:nvPr/>
+        </p:nvCxnSpPr>
+        <p:spPr>
+          <a:xfrm>
+            <a:off x="2038432" y="947774"/>
+            <a:ext cx="1076128" cy="634547"/>
+          </a:xfrm>
+          <a:prstGeom prst="line">
+            <a:avLst/>
+          </a:prstGeom>
+          <a:ln>
+            <a:solidFill>
+              <a:schemeClr val="tx1"/>
+            </a:solidFill>
+          </a:ln>
+        </p:spPr>
+        <p:style>
+          <a:lnRef idx="1">
+            <a:schemeClr val="accent1"/>
+          </a:lnRef>
+          <a:fillRef idx="0">
+            <a:schemeClr val="accent1"/>
+          </a:fillRef>
+          <a:effectRef idx="0">
+            <a:schemeClr val="accent1"/>
+          </a:effectRef>
+          <a:fontRef idx="minor">
+            <a:schemeClr val="tx1"/>
+          </a:fontRef>
+        </p:style>
+      </p:cxnSp>
+      <p:cxnSp>
+        <p:nvCxnSpPr>
+          <p:cNvPr id="22" name="Straight Connector 21">
+            <a:extLst>
+              <a:ext uri="{FF2B5EF4-FFF2-40B4-BE49-F238E27FC236}">
+                <a16:creationId xmlns:a16="http://schemas.microsoft.com/office/drawing/2014/main" id="{33D6CFA5-AE3D-3A46-A597-342ABB7B3195}"/>
+              </a:ext>
+            </a:extLst>
+          </p:cNvPr>
+          <p:cNvCxnSpPr>
+            <a:cxnSpLocks/>
+            <a:stCxn id="15" idx="6"/>
+          </p:cNvCxnSpPr>
+          <p:nvPr/>
+        </p:nvCxnSpPr>
+        <p:spPr>
+          <a:xfrm flipV="1">
+            <a:off x="2038432" y="2385228"/>
+            <a:ext cx="973709" cy="646844"/>
+          </a:xfrm>
+          <a:prstGeom prst="line">
+            <a:avLst/>
+          </a:prstGeom>
+          <a:ln>
+            <a:solidFill>
+              <a:schemeClr val="tx1"/>
+            </a:solidFill>
+          </a:ln>
+        </p:spPr>
+        <p:style>
+          <a:lnRef idx="1">
+            <a:schemeClr val="accent1"/>
+          </a:lnRef>
+          <a:fillRef idx="0">
+            <a:schemeClr val="accent1"/>
+          </a:fillRef>
+          <a:effectRef idx="0">
+            <a:schemeClr val="accent1"/>
+          </a:effectRef>
+          <a:fontRef idx="minor">
+            <a:schemeClr val="tx1"/>
+          </a:fontRef>
+        </p:style>
+      </p:cxnSp>
+      <p:sp>
+        <p:nvSpPr>
+          <p:cNvPr id="13" name="Rounded Rectangle 12">
+            <a:extLst>
+              <a:ext uri="{FF2B5EF4-FFF2-40B4-BE49-F238E27FC236}">
+                <a16:creationId xmlns:a16="http://schemas.microsoft.com/office/drawing/2014/main" id="{B230F3FD-1594-A14D-B59C-BFAE717D3893}"/>
+              </a:ext>
+            </a:extLst>
+          </p:cNvPr>
+          <p:cNvSpPr/>
+          <p:nvPr/>
+        </p:nvSpPr>
+        <p:spPr>
+          <a:xfrm>
+            <a:off x="3061476" y="652925"/>
+            <a:ext cx="1764536" cy="2977782"/>
+          </a:xfrm>
+          <a:prstGeom prst="roundRect">
+            <a:avLst/>
+          </a:prstGeom>
+          <a:solidFill>
+            <a:schemeClr val="accent1">
+              <a:lumMod val="60000"/>
+              <a:lumOff val="40000"/>
+            </a:schemeClr>
+          </a:solidFill>
+        </p:spPr>
+        <p:style>
+          <a:lnRef idx="2">
+            <a:schemeClr val="accent1">
+              <a:shade val="50000"/>
+            </a:schemeClr>
+          </a:lnRef>
+          <a:fillRef idx="1">
+            <a:schemeClr val="accent1"/>
+          </a:fillRef>
+          <a:effectRef idx="0">
+            <a:schemeClr val="accent1"/>
+          </a:effectRef>
+          <a:fontRef idx="minor">
+            <a:schemeClr val="lt1"/>
+          </a:fontRef>
+        </p:style>
+        <p:txBody>
+          <a:bodyPr rtlCol="0" anchor="ctr"/>
+          <a:lstStyle/>
+          <a:p>
+            <a:pPr algn="ctr"/>
+            <a:r>
+              <a:rPr lang="en-US" sz="7200" dirty="0"/>
+              <a:t>?</a:t>
+            </a:r>
+          </a:p>
+        </p:txBody>
+      </p:sp>
+      <p:sp>
+        <p:nvSpPr>
+          <p:cNvPr id="27" name="TextBox 26">
+            <a:extLst>
+              <a:ext uri="{FF2B5EF4-FFF2-40B4-BE49-F238E27FC236}">
+                <a16:creationId xmlns:a16="http://schemas.microsoft.com/office/drawing/2014/main" id="{84C061C7-DF32-9D43-910B-F6528DFD18C2}"/>
+              </a:ext>
+            </a:extLst>
+          </p:cNvPr>
+          <p:cNvSpPr txBox="1"/>
+          <p:nvPr/>
+        </p:nvSpPr>
+        <p:spPr>
+          <a:xfrm>
+            <a:off x="1502388" y="258699"/>
+            <a:ext cx="680058" cy="369332"/>
+          </a:xfrm>
+          <a:prstGeom prst="rect">
+            <a:avLst/>
+          </a:prstGeom>
+          <a:noFill/>
+        </p:spPr>
+        <p:txBody>
+          <a:bodyPr wrap="none" rtlCol="0">
+            <a:spAutoFit/>
+          </a:bodyPr>
+          <a:lstStyle/>
+          <a:p>
+            <a:r>
+              <a:rPr lang="en-US" b="1" dirty="0">
+                <a:solidFill>
+                  <a:schemeClr val="accent1"/>
+                </a:solidFill>
+              </a:rPr>
+              <a:t>word</a:t>
+            </a:r>
+          </a:p>
+        </p:txBody>
+      </p:sp>
+      <p:sp>
+        <p:nvSpPr>
+          <p:cNvPr id="28" name="TextBox 27">
+            <a:extLst>
+              <a:ext uri="{FF2B5EF4-FFF2-40B4-BE49-F238E27FC236}">
+                <a16:creationId xmlns:a16="http://schemas.microsoft.com/office/drawing/2014/main" id="{81F2755B-A201-FC4A-9F7D-E0D142E664C1}"/>
+              </a:ext>
+            </a:extLst>
+          </p:cNvPr>
+          <p:cNvSpPr txBox="1"/>
+          <p:nvPr/>
+        </p:nvSpPr>
+        <p:spPr>
+          <a:xfrm>
+            <a:off x="1406940" y="2424056"/>
+            <a:ext cx="899542" cy="369332"/>
+          </a:xfrm>
+          <a:prstGeom prst="rect">
+            <a:avLst/>
+          </a:prstGeom>
+          <a:noFill/>
+        </p:spPr>
+        <p:txBody>
+          <a:bodyPr wrap="none" rtlCol="0">
+            <a:spAutoFit/>
+          </a:bodyPr>
+          <a:lstStyle/>
+          <a:p>
+            <a:r>
+              <a:rPr lang="en-US" b="1" dirty="0">
+                <a:solidFill>
+                  <a:schemeClr val="accent1"/>
+                </a:solidFill>
+              </a:rPr>
+              <a:t>context</a:t>
+            </a:r>
+          </a:p>
+        </p:txBody>
+      </p:sp>
+      <p:sp>
+        <p:nvSpPr>
+          <p:cNvPr id="29" name="TextBox 28">
+            <a:extLst>
+              <a:ext uri="{FF2B5EF4-FFF2-40B4-BE49-F238E27FC236}">
+                <a16:creationId xmlns:a16="http://schemas.microsoft.com/office/drawing/2014/main" id="{4123C864-A181-6B44-93C9-D70AC4446D25}"/>
+              </a:ext>
+            </a:extLst>
+          </p:cNvPr>
+          <p:cNvSpPr txBox="1"/>
+          <p:nvPr/>
+        </p:nvSpPr>
+        <p:spPr>
+          <a:xfrm>
+            <a:off x="5885853" y="1464761"/>
+            <a:ext cx="838691" cy="369332"/>
+          </a:xfrm>
+          <a:prstGeom prst="rect">
+            <a:avLst/>
+          </a:prstGeom>
+          <a:noFill/>
+        </p:spPr>
+        <p:txBody>
+          <a:bodyPr wrap="none" rtlCol="0">
+            <a:spAutoFit/>
+          </a:bodyPr>
+          <a:lstStyle/>
+          <a:p>
+            <a:r>
+              <a:rPr lang="en-US" b="1" dirty="0">
+                <a:solidFill>
+                  <a:schemeClr val="accent1"/>
+                </a:solidFill>
+              </a:rPr>
+              <a:t>output</a:t>
+            </a:r>
+          </a:p>
+        </p:txBody>
+      </p:sp>
+    </p:spTree>
+    <p:extLst>
+      <p:ext uri="{BB962C8B-B14F-4D97-AF65-F5344CB8AC3E}">
+        <p14:creationId xmlns:p14="http://schemas.microsoft.com/office/powerpoint/2010/main" val="335861809"/>
+      </p:ext>
+    </p:extLst>
+  </p:cSld>
+  <p:clrMapOvr>
+    <a:masterClrMapping/>
+  </p:clrMapOvr>
+</p:sld>
+</file>
+
+<file path=ppt/slides/slide9.xml><?xml version="1.0" encoding="utf-8"?>
+<p:sld xmlns:a="http://schemas.openxmlformats.org/drawingml/2006/main" xmlns:r="http://schemas.openxmlformats.org/officeDocument/2006/relationships" xmlns:p="http://schemas.openxmlformats.org/presentationml/2006/main">
+  <p:cSld>
+    <p:spTree>
+      <p:nvGrpSpPr>
+        <p:cNvPr id="1" name=""/>
+        <p:cNvGrpSpPr/>
+        <p:nvPr/>
+      </p:nvGrpSpPr>
+      <p:grpSpPr>
+        <a:xfrm>
+          <a:off x="0" y="0"/>
+          <a:ext cx="0" cy="0"/>
+          <a:chOff x="0" y="0"/>
+          <a:chExt cx="0" cy="0"/>
+        </a:xfrm>
+      </p:grpSpPr>
+      <p:sp>
+        <p:nvSpPr>
+          <p:cNvPr id="15" name="Oval 14">
+            <a:extLst>
+              <a:ext uri="{FF2B5EF4-FFF2-40B4-BE49-F238E27FC236}">
+                <a16:creationId xmlns:a16="http://schemas.microsoft.com/office/drawing/2014/main" id="{5B18B3F0-0B39-4549-879E-473A79C4F7DA}"/>
+              </a:ext>
+            </a:extLst>
+          </p:cNvPr>
+          <p:cNvSpPr/>
+          <p:nvPr/>
+        </p:nvSpPr>
+        <p:spPr>
+          <a:xfrm>
+            <a:off x="1623236" y="3491753"/>
+            <a:ext cx="403761" cy="1761900"/>
+          </a:xfrm>
+          <a:prstGeom prst="ellipse">
+            <a:avLst/>
+          </a:prstGeom>
+          <a:noFill/>
+          <a:ln>
+            <a:solidFill>
+              <a:schemeClr val="tx1"/>
+            </a:solidFill>
+          </a:ln>
+        </p:spPr>
+        <p:style>
+          <a:lnRef idx="2">
+            <a:schemeClr val="accent1">
+              <a:shade val="50000"/>
+            </a:schemeClr>
+          </a:lnRef>
+          <a:fillRef idx="1">
+            <a:schemeClr val="accent1"/>
+          </a:fillRef>
+          <a:effectRef idx="0">
+            <a:schemeClr val="accent1"/>
+          </a:effectRef>
+          <a:fontRef idx="minor">
+            <a:schemeClr val="lt1"/>
+          </a:fontRef>
+        </p:style>
+        <p:txBody>
+          <a:bodyPr rtlCol="0" anchor="ctr"/>
+          <a:lstStyle/>
+          <a:p>
+            <a:pPr algn="ctr"/>
+            <a:endParaRPr lang="en-US"/>
+          </a:p>
+        </p:txBody>
+      </p:sp>
+      <p:sp>
+        <p:nvSpPr>
+          <p:cNvPr id="18" name="TextBox 17">
+            <a:extLst>
+              <a:ext uri="{FF2B5EF4-FFF2-40B4-BE49-F238E27FC236}">
+                <a16:creationId xmlns:a16="http://schemas.microsoft.com/office/drawing/2014/main" id="{20A50958-159E-3D47-A91D-ADB56005FE49}"/>
+              </a:ext>
+            </a:extLst>
+          </p:cNvPr>
+          <p:cNvSpPr txBox="1"/>
+          <p:nvPr/>
+        </p:nvSpPr>
+        <p:spPr>
+          <a:xfrm>
+            <a:off x="1561036" y="5257324"/>
+            <a:ext cx="465961" cy="369332"/>
+          </a:xfrm>
+          <a:prstGeom prst="rect">
+            <a:avLst/>
+          </a:prstGeom>
+          <a:noFill/>
+        </p:spPr>
+        <p:txBody>
+          <a:bodyPr wrap="none" rtlCol="0">
+            <a:spAutoFit/>
+          </a:bodyPr>
+          <a:lstStyle/>
+          <a:p>
+            <a:r>
+              <a:rPr lang="en-US" dirty="0"/>
+              <a:t>cat</a:t>
+            </a:r>
+          </a:p>
+        </p:txBody>
+      </p:sp>
+      <p:cxnSp>
+        <p:nvCxnSpPr>
+          <p:cNvPr id="21" name="Straight Connector 20">
+            <a:extLst>
+              <a:ext uri="{FF2B5EF4-FFF2-40B4-BE49-F238E27FC236}">
+                <a16:creationId xmlns:a16="http://schemas.microsoft.com/office/drawing/2014/main" id="{D19F2264-851E-0B43-A354-13F0EA645DC2}"/>
+              </a:ext>
+            </a:extLst>
+          </p:cNvPr>
+          <p:cNvCxnSpPr>
+            <a:cxnSpLocks/>
+            <a:stCxn id="17" idx="6"/>
+          </p:cNvCxnSpPr>
+          <p:nvPr/>
+        </p:nvCxnSpPr>
+        <p:spPr>
+          <a:xfrm flipV="1">
+            <a:off x="2007333" y="1798158"/>
+            <a:ext cx="714600" cy="9994"/>
+          </a:xfrm>
+          <a:prstGeom prst="line">
+            <a:avLst/>
+          </a:prstGeom>
+          <a:ln>
+            <a:solidFill>
+              <a:schemeClr val="tx1"/>
+            </a:solidFill>
+          </a:ln>
+        </p:spPr>
+        <p:style>
+          <a:lnRef idx="1">
+            <a:schemeClr val="accent1"/>
+          </a:lnRef>
+          <a:fillRef idx="0">
+            <a:schemeClr val="accent1"/>
+          </a:fillRef>
+          <a:effectRef idx="0">
+            <a:schemeClr val="accent1"/>
+          </a:effectRef>
+          <a:fontRef idx="minor">
+            <a:schemeClr val="tx1"/>
+          </a:fontRef>
+        </p:style>
+      </p:cxnSp>
+      <p:cxnSp>
+        <p:nvCxnSpPr>
+          <p:cNvPr id="22" name="Straight Connector 21">
+            <a:extLst>
+              <a:ext uri="{FF2B5EF4-FFF2-40B4-BE49-F238E27FC236}">
+                <a16:creationId xmlns:a16="http://schemas.microsoft.com/office/drawing/2014/main" id="{33D6CFA5-AE3D-3A46-A597-342ABB7B3195}"/>
+              </a:ext>
+            </a:extLst>
+          </p:cNvPr>
+          <p:cNvCxnSpPr>
+            <a:cxnSpLocks/>
+            <a:stCxn id="15" idx="6"/>
+          </p:cNvCxnSpPr>
+          <p:nvPr/>
+        </p:nvCxnSpPr>
+        <p:spPr>
+          <a:xfrm>
+            <a:off x="2026997" y="4372703"/>
+            <a:ext cx="694936" cy="0"/>
+          </a:xfrm>
+          <a:prstGeom prst="line">
+            <a:avLst/>
+          </a:prstGeom>
+          <a:ln>
+            <a:solidFill>
+              <a:schemeClr val="tx1"/>
+            </a:solidFill>
+          </a:ln>
+        </p:spPr>
+        <p:style>
+          <a:lnRef idx="1">
+            <a:schemeClr val="accent1"/>
+          </a:lnRef>
+          <a:fillRef idx="0">
+            <a:schemeClr val="accent1"/>
+          </a:fillRef>
+          <a:effectRef idx="0">
+            <a:schemeClr val="accent1"/>
+          </a:effectRef>
+          <a:fontRef idx="minor">
+            <a:schemeClr val="tx1"/>
+          </a:fontRef>
+        </p:style>
+      </p:cxnSp>
+      <p:sp>
+        <p:nvSpPr>
+          <p:cNvPr id="28" name="TextBox 27">
+            <a:extLst>
+              <a:ext uri="{FF2B5EF4-FFF2-40B4-BE49-F238E27FC236}">
+                <a16:creationId xmlns:a16="http://schemas.microsoft.com/office/drawing/2014/main" id="{81F2755B-A201-FC4A-9F7D-E0D142E664C1}"/>
+              </a:ext>
+            </a:extLst>
+          </p:cNvPr>
+          <p:cNvSpPr txBox="1"/>
+          <p:nvPr/>
+        </p:nvSpPr>
+        <p:spPr>
+          <a:xfrm>
+            <a:off x="1355681" y="3199858"/>
+            <a:ext cx="899542" cy="369332"/>
+          </a:xfrm>
+          <a:prstGeom prst="rect">
+            <a:avLst/>
+          </a:prstGeom>
+          <a:noFill/>
+        </p:spPr>
+        <p:txBody>
+          <a:bodyPr wrap="none" rtlCol="0">
+            <a:spAutoFit/>
+          </a:bodyPr>
+          <a:lstStyle/>
+          <a:p>
+            <a:r>
+              <a:rPr lang="en-US" b="1" dirty="0">
+                <a:solidFill>
+                  <a:schemeClr val="accent1"/>
+                </a:solidFill>
+              </a:rPr>
+              <a:t>context</a:t>
+            </a:r>
+          </a:p>
+        </p:txBody>
+      </p:sp>
+      <p:sp>
+        <p:nvSpPr>
+          <p:cNvPr id="3" name="TextBox 2">
+            <a:extLst>
+              <a:ext uri="{FF2B5EF4-FFF2-40B4-BE49-F238E27FC236}">
+                <a16:creationId xmlns:a16="http://schemas.microsoft.com/office/drawing/2014/main" id="{88C17DB2-A5D3-7647-AEA3-2AD4C180CEFD}"/>
+              </a:ext>
+            </a:extLst>
+          </p:cNvPr>
+          <p:cNvSpPr txBox="1"/>
+          <p:nvPr/>
+        </p:nvSpPr>
+        <p:spPr>
+          <a:xfrm>
+            <a:off x="1608293" y="4188037"/>
+            <a:ext cx="418704" cy="369332"/>
+          </a:xfrm>
+          <a:prstGeom prst="rect">
+            <a:avLst/>
+          </a:prstGeom>
+          <a:noFill/>
+        </p:spPr>
+        <p:txBody>
+          <a:bodyPr wrap="none" rtlCol="0">
+            <a:spAutoFit/>
+          </a:bodyPr>
+          <a:lstStyle/>
+          <a:p>
+            <a:r>
+              <a:rPr lang="en-US" dirty="0"/>
+              <a:t>30</a:t>
+            </a:r>
+          </a:p>
+        </p:txBody>
+      </p:sp>
+      <p:sp>
+        <p:nvSpPr>
+          <p:cNvPr id="17" name="Oval 16">
+            <a:extLst>
+              <a:ext uri="{FF2B5EF4-FFF2-40B4-BE49-F238E27FC236}">
+                <a16:creationId xmlns:a16="http://schemas.microsoft.com/office/drawing/2014/main" id="{DCAB5CE2-2965-2A41-BC8B-99EE9BF71AAF}"/>
+              </a:ext>
+            </a:extLst>
+          </p:cNvPr>
+          <p:cNvSpPr/>
+          <p:nvPr/>
+        </p:nvSpPr>
+        <p:spPr>
+          <a:xfrm>
+            <a:off x="1603572" y="927202"/>
+            <a:ext cx="403761" cy="1761900"/>
+          </a:xfrm>
+          <a:prstGeom prst="ellipse">
+            <a:avLst/>
+          </a:prstGeom>
+          <a:noFill/>
+          <a:ln>
+            <a:solidFill>
+              <a:schemeClr val="tx1"/>
+            </a:solidFill>
+          </a:ln>
+        </p:spPr>
+        <p:style>
+          <a:lnRef idx="2">
+            <a:schemeClr val="accent1">
+              <a:shade val="50000"/>
+            </a:schemeClr>
+          </a:lnRef>
+          <a:fillRef idx="1">
+            <a:schemeClr val="accent1"/>
+          </a:fillRef>
+          <a:effectRef idx="0">
+            <a:schemeClr val="accent1"/>
+          </a:effectRef>
+          <a:fontRef idx="minor">
+            <a:schemeClr val="lt1"/>
+          </a:fontRef>
+        </p:style>
+        <p:txBody>
+          <a:bodyPr rtlCol="0" anchor="ctr"/>
+          <a:lstStyle/>
+          <a:p>
+            <a:pPr algn="ctr"/>
+            <a:endParaRPr lang="en-US"/>
+          </a:p>
+        </p:txBody>
+      </p:sp>
+      <p:sp>
+        <p:nvSpPr>
+          <p:cNvPr id="19" name="TextBox 18">
+            <a:extLst>
+              <a:ext uri="{FF2B5EF4-FFF2-40B4-BE49-F238E27FC236}">
+                <a16:creationId xmlns:a16="http://schemas.microsoft.com/office/drawing/2014/main" id="{1E068A86-623D-BB4E-AC26-A187056949CD}"/>
+              </a:ext>
+            </a:extLst>
+          </p:cNvPr>
+          <p:cNvSpPr txBox="1"/>
+          <p:nvPr/>
+        </p:nvSpPr>
+        <p:spPr>
+          <a:xfrm>
+            <a:off x="1541372" y="2692773"/>
+            <a:ext cx="537327" cy="369332"/>
+          </a:xfrm>
+          <a:prstGeom prst="rect">
+            <a:avLst/>
+          </a:prstGeom>
+          <a:noFill/>
+        </p:spPr>
+        <p:txBody>
+          <a:bodyPr wrap="none" rtlCol="0">
+            <a:spAutoFit/>
+          </a:bodyPr>
+          <a:lstStyle/>
+          <a:p>
+            <a:r>
+              <a:rPr lang="en-US" dirty="0"/>
+              <a:t>bee</a:t>
+            </a:r>
+          </a:p>
+        </p:txBody>
+      </p:sp>
+      <p:sp>
+        <p:nvSpPr>
+          <p:cNvPr id="24" name="TextBox 23">
+            <a:extLst>
+              <a:ext uri="{FF2B5EF4-FFF2-40B4-BE49-F238E27FC236}">
+                <a16:creationId xmlns:a16="http://schemas.microsoft.com/office/drawing/2014/main" id="{F96754C3-A407-7546-B27C-527220B8FB17}"/>
+              </a:ext>
+            </a:extLst>
+          </p:cNvPr>
+          <p:cNvSpPr txBox="1"/>
+          <p:nvPr/>
+        </p:nvSpPr>
+        <p:spPr>
+          <a:xfrm>
+            <a:off x="1588629" y="1623486"/>
+            <a:ext cx="418704" cy="369332"/>
+          </a:xfrm>
+          <a:prstGeom prst="rect">
+            <a:avLst/>
+          </a:prstGeom>
+          <a:noFill/>
+        </p:spPr>
+        <p:txBody>
+          <a:bodyPr wrap="none" rtlCol="0">
+            <a:spAutoFit/>
+          </a:bodyPr>
+          <a:lstStyle/>
+          <a:p>
+            <a:r>
+              <a:rPr lang="en-US" dirty="0"/>
+              <a:t>30</a:t>
+            </a:r>
+          </a:p>
+        </p:txBody>
+      </p:sp>
+      <p:sp>
+        <p:nvSpPr>
+          <p:cNvPr id="25" name="Oval 24">
+            <a:extLst>
+              <a:ext uri="{FF2B5EF4-FFF2-40B4-BE49-F238E27FC236}">
+                <a16:creationId xmlns:a16="http://schemas.microsoft.com/office/drawing/2014/main" id="{2C25A830-22D2-6C47-AC59-E2CAA44BECBA}"/>
+              </a:ext>
+            </a:extLst>
+          </p:cNvPr>
+          <p:cNvSpPr/>
+          <p:nvPr/>
+        </p:nvSpPr>
+        <p:spPr>
+          <a:xfrm>
+            <a:off x="2721933" y="1339167"/>
+            <a:ext cx="275303" cy="917982"/>
+          </a:xfrm>
+          <a:prstGeom prst="ellipse">
+            <a:avLst/>
+          </a:prstGeom>
+          <a:noFill/>
+          <a:ln>
+            <a:solidFill>
+              <a:schemeClr val="tx1"/>
+            </a:solidFill>
+          </a:ln>
+        </p:spPr>
+        <p:style>
+          <a:lnRef idx="2">
+            <a:schemeClr val="accent1">
+              <a:shade val="50000"/>
+            </a:schemeClr>
+          </a:lnRef>
+          <a:fillRef idx="1">
+            <a:schemeClr val="accent1"/>
+          </a:fillRef>
+          <a:effectRef idx="0">
+            <a:schemeClr val="accent1"/>
+          </a:effectRef>
+          <a:fontRef idx="minor">
+            <a:schemeClr val="lt1"/>
+          </a:fontRef>
+        </p:style>
+        <p:txBody>
+          <a:bodyPr rtlCol="0" anchor="ctr"/>
+          <a:lstStyle/>
+          <a:p>
+            <a:pPr algn="ctr"/>
+            <a:endParaRPr lang="en-US"/>
+          </a:p>
+        </p:txBody>
+      </p:sp>
+      <p:sp>
+        <p:nvSpPr>
+          <p:cNvPr id="9" name="TextBox 8">
+            <a:extLst>
+              <a:ext uri="{FF2B5EF4-FFF2-40B4-BE49-F238E27FC236}">
+                <a16:creationId xmlns:a16="http://schemas.microsoft.com/office/drawing/2014/main" id="{DF147B3B-7C39-8B46-9FB1-B16FCDD5E1D9}"/>
+              </a:ext>
+            </a:extLst>
+          </p:cNvPr>
+          <p:cNvSpPr txBox="1"/>
+          <p:nvPr/>
+        </p:nvSpPr>
+        <p:spPr>
+          <a:xfrm>
+            <a:off x="2721933" y="1631204"/>
+            <a:ext cx="301686" cy="369332"/>
+          </a:xfrm>
+          <a:prstGeom prst="rect">
+            <a:avLst/>
+          </a:prstGeom>
+          <a:noFill/>
+        </p:spPr>
+        <p:txBody>
+          <a:bodyPr wrap="none" rtlCol="0">
+            <a:spAutoFit/>
+          </a:bodyPr>
+          <a:lstStyle/>
+          <a:p>
+            <a:r>
+              <a:rPr lang="en-US" dirty="0"/>
+              <a:t>2</a:t>
+            </a:r>
+          </a:p>
+        </p:txBody>
+      </p:sp>
+      <p:sp>
+        <p:nvSpPr>
+          <p:cNvPr id="26" name="Oval 25">
+            <a:extLst>
+              <a:ext uri="{FF2B5EF4-FFF2-40B4-BE49-F238E27FC236}">
+                <a16:creationId xmlns:a16="http://schemas.microsoft.com/office/drawing/2014/main" id="{DCE8B2D2-60F8-674B-81F8-DE1554FEE8FB}"/>
+              </a:ext>
+            </a:extLst>
+          </p:cNvPr>
+          <p:cNvSpPr/>
+          <p:nvPr/>
+        </p:nvSpPr>
+        <p:spPr>
+          <a:xfrm>
+            <a:off x="2748316" y="3913712"/>
+            <a:ext cx="275303" cy="917982"/>
+          </a:xfrm>
+          <a:prstGeom prst="ellipse">
+            <a:avLst/>
+          </a:prstGeom>
+          <a:noFill/>
+          <a:ln>
+            <a:solidFill>
+              <a:schemeClr val="tx1"/>
+            </a:solidFill>
+          </a:ln>
+        </p:spPr>
+        <p:style>
+          <a:lnRef idx="2">
+            <a:schemeClr val="accent1">
+              <a:shade val="50000"/>
+            </a:schemeClr>
+          </a:lnRef>
+          <a:fillRef idx="1">
+            <a:schemeClr val="accent1"/>
+          </a:fillRef>
+          <a:effectRef idx="0">
+            <a:schemeClr val="accent1"/>
+          </a:effectRef>
+          <a:fontRef idx="minor">
+            <a:schemeClr val="lt1"/>
+          </a:fontRef>
+        </p:style>
+        <p:txBody>
+          <a:bodyPr rtlCol="0" anchor="ctr"/>
+          <a:lstStyle/>
+          <a:p>
+            <a:pPr algn="ctr"/>
+            <a:endParaRPr lang="en-US"/>
+          </a:p>
+        </p:txBody>
+      </p:sp>
+      <p:sp>
+        <p:nvSpPr>
+          <p:cNvPr id="29" name="TextBox 28">
+            <a:extLst>
+              <a:ext uri="{FF2B5EF4-FFF2-40B4-BE49-F238E27FC236}">
+                <a16:creationId xmlns:a16="http://schemas.microsoft.com/office/drawing/2014/main" id="{2EDC3651-9B00-724D-92EC-76ABA76992A2}"/>
+              </a:ext>
+            </a:extLst>
+          </p:cNvPr>
+          <p:cNvSpPr txBox="1"/>
+          <p:nvPr/>
+        </p:nvSpPr>
+        <p:spPr>
+          <a:xfrm>
+            <a:off x="2748316" y="4205749"/>
+            <a:ext cx="301686" cy="369332"/>
+          </a:xfrm>
+          <a:prstGeom prst="rect">
+            <a:avLst/>
+          </a:prstGeom>
+          <a:noFill/>
+        </p:spPr>
+        <p:txBody>
+          <a:bodyPr wrap="none" rtlCol="0">
+            <a:spAutoFit/>
+          </a:bodyPr>
+          <a:lstStyle/>
+          <a:p>
+            <a:r>
+              <a:rPr lang="en-US" dirty="0"/>
+              <a:t>2</a:t>
+            </a:r>
+          </a:p>
+        </p:txBody>
+      </p:sp>
+      <p:sp>
+        <p:nvSpPr>
+          <p:cNvPr id="30" name="Oval 29">
+            <a:extLst>
+              <a:ext uri="{FF2B5EF4-FFF2-40B4-BE49-F238E27FC236}">
+                <a16:creationId xmlns:a16="http://schemas.microsoft.com/office/drawing/2014/main" id="{01F67648-6F7A-0040-9CA9-B94586474C13}"/>
+              </a:ext>
+            </a:extLst>
+          </p:cNvPr>
+          <p:cNvSpPr/>
+          <p:nvPr/>
+        </p:nvSpPr>
+        <p:spPr>
+          <a:xfrm>
+            <a:off x="5930594" y="2550527"/>
+            <a:ext cx="275303" cy="917982"/>
+          </a:xfrm>
+          <a:prstGeom prst="ellipse">
+            <a:avLst/>
+          </a:prstGeom>
+          <a:noFill/>
+          <a:ln>
+            <a:solidFill>
+              <a:schemeClr val="tx1"/>
+            </a:solidFill>
+          </a:ln>
+        </p:spPr>
+        <p:style>
+          <a:lnRef idx="2">
+            <a:schemeClr val="accent1">
+              <a:shade val="50000"/>
+            </a:schemeClr>
+          </a:lnRef>
+          <a:fillRef idx="1">
+            <a:schemeClr val="accent1"/>
+          </a:fillRef>
+          <a:effectRef idx="0">
+            <a:schemeClr val="accent1"/>
+          </a:effectRef>
+          <a:fontRef idx="minor">
+            <a:schemeClr val="lt1"/>
+          </a:fontRef>
+        </p:style>
+        <p:txBody>
+          <a:bodyPr rtlCol="0" anchor="ctr"/>
+          <a:lstStyle/>
+          <a:p>
+            <a:pPr algn="ctr"/>
+            <a:endParaRPr lang="en-US"/>
+          </a:p>
+        </p:txBody>
+      </p:sp>
+      <p:sp>
+        <p:nvSpPr>
+          <p:cNvPr id="10" name="TextBox 9">
+            <a:extLst>
+              <a:ext uri="{FF2B5EF4-FFF2-40B4-BE49-F238E27FC236}">
+                <a16:creationId xmlns:a16="http://schemas.microsoft.com/office/drawing/2014/main" id="{57B6CA0D-0350-6549-AEE4-E7E39EBF6146}"/>
+              </a:ext>
+            </a:extLst>
+          </p:cNvPr>
+          <p:cNvSpPr txBox="1"/>
+          <p:nvPr/>
+        </p:nvSpPr>
+        <p:spPr>
+          <a:xfrm>
+            <a:off x="5938595" y="2811759"/>
+            <a:ext cx="301686" cy="369332"/>
+          </a:xfrm>
+          <a:prstGeom prst="rect">
+            <a:avLst/>
+          </a:prstGeom>
+          <a:noFill/>
+        </p:spPr>
+        <p:txBody>
+          <a:bodyPr wrap="none" rtlCol="0">
+            <a:spAutoFit/>
+          </a:bodyPr>
+          <a:lstStyle/>
+          <a:p>
+            <a:r>
+              <a:rPr lang="en-US" dirty="0"/>
+              <a:t>2</a:t>
+            </a:r>
+          </a:p>
+        </p:txBody>
+      </p:sp>
+      <p:sp>
+        <p:nvSpPr>
+          <p:cNvPr id="31" name="Oval 30">
+            <a:extLst>
+              <a:ext uri="{FF2B5EF4-FFF2-40B4-BE49-F238E27FC236}">
+                <a16:creationId xmlns:a16="http://schemas.microsoft.com/office/drawing/2014/main" id="{517C8DF1-38D6-ED4B-9176-EA8819E2F880}"/>
+              </a:ext>
+            </a:extLst>
+          </p:cNvPr>
+          <p:cNvSpPr/>
+          <p:nvPr/>
+        </p:nvSpPr>
+        <p:spPr>
+          <a:xfrm>
+            <a:off x="7489943" y="2128568"/>
+            <a:ext cx="403761" cy="1761900"/>
+          </a:xfrm>
+          <a:prstGeom prst="ellipse">
+            <a:avLst/>
+          </a:prstGeom>
+          <a:noFill/>
+          <a:ln>
+            <a:solidFill>
+              <a:schemeClr val="tx1"/>
+            </a:solidFill>
+          </a:ln>
+        </p:spPr>
+        <p:style>
+          <a:lnRef idx="2">
+            <a:schemeClr val="accent1">
+              <a:shade val="50000"/>
+            </a:schemeClr>
+          </a:lnRef>
+          <a:fillRef idx="1">
+            <a:schemeClr val="accent1"/>
+          </a:fillRef>
+          <a:effectRef idx="0">
+            <a:schemeClr val="accent1"/>
+          </a:effectRef>
+          <a:fontRef idx="minor">
+            <a:schemeClr val="lt1"/>
+          </a:fontRef>
+        </p:style>
+        <p:txBody>
+          <a:bodyPr rtlCol="0" anchor="ctr"/>
+          <a:lstStyle/>
+          <a:p>
+            <a:pPr algn="ctr"/>
+            <a:endParaRPr lang="en-US"/>
+          </a:p>
+        </p:txBody>
+      </p:sp>
+      <p:sp>
+        <p:nvSpPr>
+          <p:cNvPr id="32" name="TextBox 31">
+            <a:extLst>
+              <a:ext uri="{FF2B5EF4-FFF2-40B4-BE49-F238E27FC236}">
+                <a16:creationId xmlns:a16="http://schemas.microsoft.com/office/drawing/2014/main" id="{36E93EEB-B37E-934C-8001-1EF38C9AC8F0}"/>
+              </a:ext>
+            </a:extLst>
+          </p:cNvPr>
+          <p:cNvSpPr txBox="1"/>
+          <p:nvPr/>
+        </p:nvSpPr>
+        <p:spPr>
+          <a:xfrm>
+            <a:off x="7458842" y="4040302"/>
+            <a:ext cx="465961" cy="369332"/>
+          </a:xfrm>
+          <a:prstGeom prst="rect">
+            <a:avLst/>
+          </a:prstGeom>
+          <a:noFill/>
+        </p:spPr>
+        <p:txBody>
+          <a:bodyPr wrap="none" rtlCol="0">
+            <a:spAutoFit/>
+          </a:bodyPr>
+          <a:lstStyle/>
+          <a:p>
+            <a:r>
+              <a:rPr lang="en-US" dirty="0"/>
+              <a:t>cat</a:t>
+            </a:r>
+          </a:p>
+        </p:txBody>
+      </p:sp>
+      <p:sp>
+        <p:nvSpPr>
+          <p:cNvPr id="33" name="TextBox 32">
+            <a:extLst>
+              <a:ext uri="{FF2B5EF4-FFF2-40B4-BE49-F238E27FC236}">
+                <a16:creationId xmlns:a16="http://schemas.microsoft.com/office/drawing/2014/main" id="{6F63FC99-1D47-524D-80C6-1EB85B59876B}"/>
+              </a:ext>
+            </a:extLst>
+          </p:cNvPr>
+          <p:cNvSpPr txBox="1"/>
+          <p:nvPr/>
+        </p:nvSpPr>
+        <p:spPr>
+          <a:xfrm>
+            <a:off x="1483497" y="640371"/>
+            <a:ext cx="680058" cy="369332"/>
+          </a:xfrm>
+          <a:prstGeom prst="rect">
+            <a:avLst/>
+          </a:prstGeom>
+          <a:noFill/>
+        </p:spPr>
+        <p:txBody>
+          <a:bodyPr wrap="none" rtlCol="0">
+            <a:spAutoFit/>
+          </a:bodyPr>
+          <a:lstStyle/>
+          <a:p>
+            <a:r>
+              <a:rPr lang="en-US" b="1" dirty="0">
+                <a:solidFill>
+                  <a:schemeClr val="accent1"/>
+                </a:solidFill>
+              </a:rPr>
+              <a:t>word</a:t>
+            </a:r>
+          </a:p>
+        </p:txBody>
+      </p:sp>
+      <p:sp>
+        <p:nvSpPr>
+          <p:cNvPr id="34" name="TextBox 33">
+            <a:extLst>
+              <a:ext uri="{FF2B5EF4-FFF2-40B4-BE49-F238E27FC236}">
+                <a16:creationId xmlns:a16="http://schemas.microsoft.com/office/drawing/2014/main" id="{CD0F2AFA-0DFF-5244-A84D-7CC161E2754F}"/>
+              </a:ext>
+            </a:extLst>
+          </p:cNvPr>
+          <p:cNvSpPr txBox="1"/>
+          <p:nvPr/>
+        </p:nvSpPr>
+        <p:spPr>
+          <a:xfrm>
+            <a:off x="7279511" y="1808152"/>
+            <a:ext cx="838691" cy="369332"/>
+          </a:xfrm>
+          <a:prstGeom prst="rect">
+            <a:avLst/>
+          </a:prstGeom>
+          <a:noFill/>
+        </p:spPr>
+        <p:txBody>
+          <a:bodyPr wrap="none" rtlCol="0">
+            <a:spAutoFit/>
+          </a:bodyPr>
+          <a:lstStyle/>
+          <a:p>
+            <a:r>
+              <a:rPr lang="en-US" b="1" dirty="0">
+                <a:solidFill>
+                  <a:schemeClr val="accent1"/>
+                </a:solidFill>
+              </a:rPr>
+              <a:t>output</a:t>
+            </a:r>
+          </a:p>
+        </p:txBody>
+      </p:sp>
+      <p:cxnSp>
+        <p:nvCxnSpPr>
+          <p:cNvPr id="35" name="Straight Connector 34">
+            <a:extLst>
+              <a:ext uri="{FF2B5EF4-FFF2-40B4-BE49-F238E27FC236}">
+                <a16:creationId xmlns:a16="http://schemas.microsoft.com/office/drawing/2014/main" id="{7EFFB3CF-9906-2E4D-AED5-73631A6BB630}"/>
+              </a:ext>
+            </a:extLst>
+          </p:cNvPr>
+          <p:cNvCxnSpPr>
+            <a:cxnSpLocks/>
+            <a:stCxn id="9" idx="3"/>
+            <a:endCxn id="44" idx="1"/>
+          </p:cNvCxnSpPr>
+          <p:nvPr/>
+        </p:nvCxnSpPr>
+        <p:spPr>
+          <a:xfrm>
+            <a:off x="3023619" y="1815870"/>
+            <a:ext cx="583369" cy="1192601"/>
+          </a:xfrm>
+          <a:prstGeom prst="line">
+            <a:avLst/>
+          </a:prstGeom>
+          <a:ln>
+            <a:solidFill>
+              <a:schemeClr val="tx1"/>
+            </a:solidFill>
+          </a:ln>
+        </p:spPr>
+        <p:style>
+          <a:lnRef idx="1">
+            <a:schemeClr val="accent1"/>
+          </a:lnRef>
+          <a:fillRef idx="0">
+            <a:schemeClr val="accent1"/>
+          </a:fillRef>
+          <a:effectRef idx="0">
+            <a:schemeClr val="accent1"/>
+          </a:effectRef>
+          <a:fontRef idx="minor">
+            <a:schemeClr val="tx1"/>
+          </a:fontRef>
+        </p:style>
+      </p:cxnSp>
+      <p:cxnSp>
+        <p:nvCxnSpPr>
+          <p:cNvPr id="36" name="Straight Connector 35">
+            <a:extLst>
+              <a:ext uri="{FF2B5EF4-FFF2-40B4-BE49-F238E27FC236}">
+                <a16:creationId xmlns:a16="http://schemas.microsoft.com/office/drawing/2014/main" id="{49E6070C-5BC5-1C4A-BBE0-C3087BD7561B}"/>
+              </a:ext>
+            </a:extLst>
+          </p:cNvPr>
+          <p:cNvCxnSpPr>
+            <a:cxnSpLocks/>
+            <a:stCxn id="29" idx="3"/>
+            <a:endCxn id="44" idx="1"/>
+          </p:cNvCxnSpPr>
+          <p:nvPr/>
+        </p:nvCxnSpPr>
+        <p:spPr>
+          <a:xfrm flipV="1">
+            <a:off x="3050002" y="3008471"/>
+            <a:ext cx="556986" cy="1381944"/>
+          </a:xfrm>
+          <a:prstGeom prst="line">
+            <a:avLst/>
+          </a:prstGeom>
+          <a:ln>
+            <a:solidFill>
+              <a:schemeClr val="tx1"/>
+            </a:solidFill>
+          </a:ln>
+        </p:spPr>
+        <p:style>
+          <a:lnRef idx="1">
+            <a:schemeClr val="accent1"/>
+          </a:lnRef>
+          <a:fillRef idx="0">
+            <a:schemeClr val="accent1"/>
+          </a:fillRef>
+          <a:effectRef idx="0">
+            <a:schemeClr val="accent1"/>
+          </a:effectRef>
+          <a:fontRef idx="minor">
+            <a:schemeClr val="tx1"/>
+          </a:fontRef>
+        </p:style>
+      </p:cxnSp>
+      <p:cxnSp>
+        <p:nvCxnSpPr>
+          <p:cNvPr id="39" name="Straight Connector 38">
+            <a:extLst>
+              <a:ext uri="{FF2B5EF4-FFF2-40B4-BE49-F238E27FC236}">
+                <a16:creationId xmlns:a16="http://schemas.microsoft.com/office/drawing/2014/main" id="{2C0CFB5A-AE1E-7248-8546-252890C7E916}"/>
+              </a:ext>
+            </a:extLst>
+          </p:cNvPr>
+          <p:cNvCxnSpPr>
+            <a:cxnSpLocks/>
+            <a:stCxn id="10" idx="3"/>
+            <a:endCxn id="31" idx="2"/>
+          </p:cNvCxnSpPr>
+          <p:nvPr/>
+        </p:nvCxnSpPr>
+        <p:spPr>
+          <a:xfrm>
+            <a:off x="6240281" y="2996425"/>
+            <a:ext cx="1249662" cy="13093"/>
+          </a:xfrm>
+          <a:prstGeom prst="line">
+            <a:avLst/>
+          </a:prstGeom>
+          <a:ln>
+            <a:solidFill>
+              <a:schemeClr val="tx1"/>
+            </a:solidFill>
+          </a:ln>
+        </p:spPr>
+        <p:style>
+          <a:lnRef idx="1">
+            <a:schemeClr val="accent1"/>
+          </a:lnRef>
+          <a:fillRef idx="0">
+            <a:schemeClr val="accent1"/>
+          </a:fillRef>
+          <a:effectRef idx="0">
+            <a:schemeClr val="accent1"/>
+          </a:effectRef>
+          <a:fontRef idx="minor">
+            <a:schemeClr val="tx1"/>
+          </a:fontRef>
+        </p:style>
+      </p:cxnSp>
+      <p:sp>
+        <p:nvSpPr>
+          <p:cNvPr id="40" name="TextBox 39">
+            <a:extLst>
+              <a:ext uri="{FF2B5EF4-FFF2-40B4-BE49-F238E27FC236}">
+                <a16:creationId xmlns:a16="http://schemas.microsoft.com/office/drawing/2014/main" id="{3A6581AC-C07F-7F44-A5EB-538345EA1B47}"/>
+              </a:ext>
+            </a:extLst>
+          </p:cNvPr>
+          <p:cNvSpPr txBox="1"/>
+          <p:nvPr/>
+        </p:nvSpPr>
+        <p:spPr>
+          <a:xfrm>
+            <a:off x="7506099" y="2786309"/>
+            <a:ext cx="418704" cy="369332"/>
+          </a:xfrm>
+          <a:prstGeom prst="rect">
+            <a:avLst/>
+          </a:prstGeom>
+          <a:noFill/>
+        </p:spPr>
+        <p:txBody>
+          <a:bodyPr wrap="none" rtlCol="0">
+            <a:spAutoFit/>
+          </a:bodyPr>
+          <a:lstStyle/>
+          <a:p>
+            <a:r>
+              <a:rPr lang="en-US" dirty="0"/>
+              <a:t>30</a:t>
+            </a:r>
+          </a:p>
+        </p:txBody>
+      </p:sp>
+      <p:sp>
+        <p:nvSpPr>
+          <p:cNvPr id="43" name="TextBox 42">
+            <a:extLst>
+              <a:ext uri="{FF2B5EF4-FFF2-40B4-BE49-F238E27FC236}">
+                <a16:creationId xmlns:a16="http://schemas.microsoft.com/office/drawing/2014/main" id="{3E46F1EB-1E8F-F944-9399-5117B02EB974}"/>
+              </a:ext>
+            </a:extLst>
+          </p:cNvPr>
+          <p:cNvSpPr txBox="1"/>
+          <p:nvPr/>
+        </p:nvSpPr>
+        <p:spPr>
+          <a:xfrm>
+            <a:off x="5303832" y="2183695"/>
+            <a:ext cx="1261884" cy="369332"/>
+          </a:xfrm>
+          <a:prstGeom prst="rect">
+            <a:avLst/>
+          </a:prstGeom>
+          <a:noFill/>
+        </p:spPr>
+        <p:txBody>
+          <a:bodyPr wrap="none" rtlCol="0">
+            <a:spAutoFit/>
+          </a:bodyPr>
+          <a:lstStyle/>
+          <a:p>
+            <a:r>
+              <a:rPr lang="en-US" b="1" dirty="0">
+                <a:solidFill>
+                  <a:schemeClr val="accent1"/>
+                </a:solidFill>
+              </a:rPr>
+              <a:t>embedding</a:t>
+            </a:r>
+          </a:p>
+        </p:txBody>
+      </p:sp>
+      <p:sp>
+        <p:nvSpPr>
+          <p:cNvPr id="44" name="Rectangle 43">
+            <a:extLst>
+              <a:ext uri="{FF2B5EF4-FFF2-40B4-BE49-F238E27FC236}">
+                <a16:creationId xmlns:a16="http://schemas.microsoft.com/office/drawing/2014/main" id="{F027F074-85D8-E34D-A9F4-3FF5460020E8}"/>
+              </a:ext>
+            </a:extLst>
+          </p:cNvPr>
+          <p:cNvSpPr/>
+          <p:nvPr/>
+        </p:nvSpPr>
+        <p:spPr>
+          <a:xfrm>
+            <a:off x="3606988" y="2642334"/>
+            <a:ext cx="1998646" cy="732273"/>
+          </a:xfrm>
+          <a:prstGeom prst="rect">
+            <a:avLst/>
+          </a:prstGeom>
+        </p:spPr>
+        <p:style>
+          <a:lnRef idx="2">
+            <a:schemeClr val="accent1">
+              <a:shade val="50000"/>
+            </a:schemeClr>
+          </a:lnRef>
+          <a:fillRef idx="1">
+            <a:schemeClr val="accent1"/>
+          </a:fillRef>
+          <a:effectRef idx="0">
+            <a:schemeClr val="accent1"/>
+          </a:effectRef>
+          <a:fontRef idx="minor">
+            <a:schemeClr val="lt1"/>
+          </a:fontRef>
+        </p:style>
+        <p:txBody>
+          <a:bodyPr rtlCol="0" anchor="ctr"/>
+          <a:lstStyle/>
+          <a:p>
+            <a:pPr algn="ctr"/>
+            <a:r>
+              <a:rPr lang="en-US" dirty="0"/>
+              <a:t>Linear(</a:t>
+            </a:r>
+            <a:r>
+              <a:rPr lang="en-US" dirty="0" err="1"/>
+              <a:t>concat</a:t>
+            </a:r>
+            <a:r>
+              <a:rPr lang="en-US" dirty="0"/>
+              <a:t>(</a:t>
+            </a:r>
+            <a:r>
+              <a:rPr lang="en-US" dirty="0" err="1"/>
+              <a:t>w,c</a:t>
+            </a:r>
+            <a:r>
+              <a:rPr lang="en-US" dirty="0"/>
+              <a:t>))</a:t>
+            </a:r>
+          </a:p>
+        </p:txBody>
+      </p:sp>
+      <p:cxnSp>
+        <p:nvCxnSpPr>
+          <p:cNvPr id="50" name="Straight Connector 49">
+            <a:extLst>
+              <a:ext uri="{FF2B5EF4-FFF2-40B4-BE49-F238E27FC236}">
+                <a16:creationId xmlns:a16="http://schemas.microsoft.com/office/drawing/2014/main" id="{FC41C3B0-AF61-884E-A1D6-7E0AF415C6BA}"/>
+              </a:ext>
+            </a:extLst>
+          </p:cNvPr>
+          <p:cNvCxnSpPr>
+            <a:cxnSpLocks/>
+            <a:stCxn id="44" idx="3"/>
+            <a:endCxn id="10" idx="1"/>
+          </p:cNvCxnSpPr>
+          <p:nvPr/>
+        </p:nvCxnSpPr>
+        <p:spPr>
+          <a:xfrm flipV="1">
+            <a:off x="5605634" y="2996425"/>
+            <a:ext cx="332961" cy="12046"/>
+          </a:xfrm>
+          <a:prstGeom prst="line">
+            <a:avLst/>
+          </a:prstGeom>
+          <a:ln>
+            <a:solidFill>
+              <a:schemeClr val="tx1"/>
+            </a:solidFill>
+          </a:ln>
+        </p:spPr>
+        <p:style>
+          <a:lnRef idx="1">
+            <a:schemeClr val="accent1"/>
+          </a:lnRef>
+          <a:fillRef idx="0">
+            <a:schemeClr val="accent1"/>
+          </a:fillRef>
+          <a:effectRef idx="0">
+            <a:schemeClr val="accent1"/>
+          </a:effectRef>
+          <a:fontRef idx="minor">
+            <a:schemeClr val="tx1"/>
+          </a:fontRef>
+        </p:style>
+      </p:cxnSp>
+      <p:pic>
+        <p:nvPicPr>
+          <p:cNvPr id="53" name="Picture 52">
+            <a:extLst>
+              <a:ext uri="{FF2B5EF4-FFF2-40B4-BE49-F238E27FC236}">
+                <a16:creationId xmlns:a16="http://schemas.microsoft.com/office/drawing/2014/main" id="{E24F64E9-1116-6A46-986D-8A5E33A149E1}"/>
+              </a:ext>
+            </a:extLst>
+          </p:cNvPr>
+          <p:cNvPicPr>
+            <a:picLocks noChangeAspect="1"/>
+          </p:cNvPicPr>
+          <p:nvPr/>
+        </p:nvPicPr>
+        <p:blipFill>
+          <a:blip r:embed="rId2"/>
+          <a:stretch>
+            <a:fillRect/>
+          </a:stretch>
+        </p:blipFill>
+        <p:spPr>
+          <a:xfrm>
+            <a:off x="3487672" y="3456939"/>
+            <a:ext cx="3128589" cy="905094"/>
+          </a:xfrm>
+          <a:prstGeom prst="rect">
+            <a:avLst/>
+          </a:prstGeom>
+        </p:spPr>
+      </p:pic>
+      <p:pic>
+        <p:nvPicPr>
+          <p:cNvPr id="57" name="Picture 56">
+            <a:extLst>
+              <a:ext uri="{FF2B5EF4-FFF2-40B4-BE49-F238E27FC236}">
+                <a16:creationId xmlns:a16="http://schemas.microsoft.com/office/drawing/2014/main" id="{7F0AC408-1C34-5E44-B67B-E97B5B8A8B06}"/>
+              </a:ext>
+            </a:extLst>
+          </p:cNvPr>
+          <p:cNvPicPr>
+            <a:picLocks noChangeAspect="1"/>
+          </p:cNvPicPr>
+          <p:nvPr/>
+        </p:nvPicPr>
+        <p:blipFill>
+          <a:blip r:embed="rId3"/>
+          <a:stretch>
+            <a:fillRect/>
+          </a:stretch>
+        </p:blipFill>
+        <p:spPr>
+          <a:xfrm>
+            <a:off x="5019640" y="4572429"/>
+            <a:ext cx="3018775" cy="177902"/>
+          </a:xfrm>
+          <a:prstGeom prst="rect">
+            <a:avLst/>
+          </a:prstGeom>
+        </p:spPr>
+      </p:pic>
+      <p:pic>
+        <p:nvPicPr>
+          <p:cNvPr id="58" name="Picture 57">
+            <a:extLst>
+              <a:ext uri="{FF2B5EF4-FFF2-40B4-BE49-F238E27FC236}">
+                <a16:creationId xmlns:a16="http://schemas.microsoft.com/office/drawing/2014/main" id="{30BE9C5A-4963-1F48-8906-A375120FA903}"/>
+              </a:ext>
+            </a:extLst>
+          </p:cNvPr>
+          <p:cNvPicPr>
+            <a:picLocks noChangeAspect="1"/>
+          </p:cNvPicPr>
+          <p:nvPr/>
+        </p:nvPicPr>
+        <p:blipFill>
+          <a:blip r:embed="rId4"/>
+          <a:stretch>
+            <a:fillRect/>
+          </a:stretch>
+        </p:blipFill>
+        <p:spPr>
+          <a:xfrm>
+            <a:off x="5019641" y="4988803"/>
+            <a:ext cx="3024348" cy="177903"/>
+          </a:xfrm>
+          <a:prstGeom prst="rect">
+            <a:avLst/>
+          </a:prstGeom>
+        </p:spPr>
+      </p:pic>
+    </p:spTree>
+    <p:extLst>
+      <p:ext uri="{BB962C8B-B14F-4D97-AF65-F5344CB8AC3E}">
+        <p14:creationId xmlns:p14="http://schemas.microsoft.com/office/powerpoint/2010/main" val="464184352"/>
       </p:ext>
     </p:extLst>
   </p:cSld>

--- a/lec/language_models/figs/nn.pptx
+++ b/lec/language_models/figs/nn.pptx
@@ -5591,8 +5591,8 @@
         </p:nvSpPr>
         <p:spPr>
           <a:xfrm>
-            <a:off x="1355681" y="521110"/>
-            <a:ext cx="899542" cy="5105546"/>
+            <a:off x="1355681" y="630538"/>
+            <a:ext cx="873816" cy="4956789"/>
           </a:xfrm>
           <a:prstGeom prst="roundRect">
             <a:avLst/>
@@ -5679,56 +5679,14 @@
           </p:cNvPr>
           <p:cNvCxnSpPr>
             <a:cxnSpLocks/>
+            <a:endCxn id="10" idx="1"/>
           </p:cNvCxnSpPr>
           <p:nvPr/>
         </p:nvCxnSpPr>
         <p:spPr>
           <a:xfrm>
-            <a:off x="2262325" y="2094940"/>
-            <a:ext cx="1066036" cy="767310"/>
-          </a:xfrm>
-          <a:prstGeom prst="line">
-            <a:avLst/>
-          </a:prstGeom>
-          <a:ln>
-            <a:solidFill>
-              <a:schemeClr val="tx1"/>
-            </a:solidFill>
-          </a:ln>
-        </p:spPr>
-        <p:style>
-          <a:lnRef idx="1">
-            <a:schemeClr val="accent1"/>
-          </a:lnRef>
-          <a:fillRef idx="0">
-            <a:schemeClr val="accent1"/>
-          </a:fillRef>
-          <a:effectRef idx="0">
-            <a:schemeClr val="accent1"/>
-          </a:effectRef>
-          <a:fontRef idx="minor">
-            <a:schemeClr val="tx1"/>
-          </a:fontRef>
-        </p:style>
-      </p:cxnSp>
-      <p:cxnSp>
-        <p:nvCxnSpPr>
-          <p:cNvPr id="41" name="Straight Connector 40">
-            <a:extLst>
-              <a:ext uri="{FF2B5EF4-FFF2-40B4-BE49-F238E27FC236}">
-                <a16:creationId xmlns:a16="http://schemas.microsoft.com/office/drawing/2014/main" id="{54918E30-45AD-9C46-BF37-E11EF87B7677}"/>
-              </a:ext>
-            </a:extLst>
-          </p:cNvPr>
-          <p:cNvCxnSpPr>
-            <a:cxnSpLocks/>
-          </p:cNvCxnSpPr>
-          <p:nvPr/>
-        </p:nvCxnSpPr>
-        <p:spPr>
-          <a:xfrm flipV="1">
-            <a:off x="2261046" y="3191761"/>
-            <a:ext cx="1045231" cy="1180942"/>
+            <a:off x="2229497" y="3007328"/>
+            <a:ext cx="1102685" cy="0"/>
           </a:xfrm>
           <a:prstGeom prst="line">
             <a:avLst/>
@@ -18717,69 +18675,23 @@
       </p:sp>
       <p:cxnSp>
         <p:nvCxnSpPr>
-          <p:cNvPr id="35" name="Straight Connector 34">
-            <a:extLst>
-              <a:ext uri="{FF2B5EF4-FFF2-40B4-BE49-F238E27FC236}">
-                <a16:creationId xmlns:a16="http://schemas.microsoft.com/office/drawing/2014/main" id="{7EFFB3CF-9906-2E4D-AED5-73631A6BB630}"/>
+          <p:cNvPr id="36" name="Straight Connector 35">
+            <a:extLst>
+              <a:ext uri="{FF2B5EF4-FFF2-40B4-BE49-F238E27FC236}">
+                <a16:creationId xmlns:a16="http://schemas.microsoft.com/office/drawing/2014/main" id="{49E6070C-5BC5-1C4A-BBE0-C3087BD7561B}"/>
               </a:ext>
             </a:extLst>
           </p:cNvPr>
           <p:cNvCxnSpPr>
             <a:cxnSpLocks/>
-            <a:stCxn id="9" idx="3"/>
             <a:endCxn id="44" idx="1"/>
           </p:cNvCxnSpPr>
           <p:nvPr/>
         </p:nvCxnSpPr>
         <p:spPr>
           <a:xfrm>
-            <a:off x="3023619" y="1815870"/>
-            <a:ext cx="583369" cy="1192601"/>
-          </a:xfrm>
-          <a:prstGeom prst="line">
-            <a:avLst/>
-          </a:prstGeom>
-          <a:ln>
-            <a:solidFill>
-              <a:schemeClr val="tx1"/>
-            </a:solidFill>
-          </a:ln>
-        </p:spPr>
-        <p:style>
-          <a:lnRef idx="1">
-            <a:schemeClr val="accent1"/>
-          </a:lnRef>
-          <a:fillRef idx="0">
-            <a:schemeClr val="accent1"/>
-          </a:fillRef>
-          <a:effectRef idx="0">
-            <a:schemeClr val="accent1"/>
-          </a:effectRef>
-          <a:fontRef idx="minor">
-            <a:schemeClr val="tx1"/>
-          </a:fontRef>
-        </p:style>
-      </p:cxnSp>
-      <p:cxnSp>
-        <p:nvCxnSpPr>
-          <p:cNvPr id="36" name="Straight Connector 35">
-            <a:extLst>
-              <a:ext uri="{FF2B5EF4-FFF2-40B4-BE49-F238E27FC236}">
-                <a16:creationId xmlns:a16="http://schemas.microsoft.com/office/drawing/2014/main" id="{49E6070C-5BC5-1C4A-BBE0-C3087BD7561B}"/>
-              </a:ext>
-            </a:extLst>
-          </p:cNvPr>
-          <p:cNvCxnSpPr>
-            <a:cxnSpLocks/>
-            <a:stCxn id="29" idx="3"/>
-            <a:endCxn id="44" idx="1"/>
-          </p:cNvCxnSpPr>
-          <p:nvPr/>
-        </p:nvCxnSpPr>
-        <p:spPr>
-          <a:xfrm flipV="1">
-            <a:off x="3050002" y="3008471"/>
-            <a:ext cx="556986" cy="1381944"/>
+            <a:off x="3247170" y="2996425"/>
+            <a:ext cx="359818" cy="12046"/>
           </a:xfrm>
           <a:prstGeom prst="line">
             <a:avLst/>
@@ -19124,6 +19036,53 @@
           </a:prstGeom>
         </p:spPr>
       </p:pic>
+      <p:sp>
+        <p:nvSpPr>
+          <p:cNvPr id="59" name="Rounded Rectangle 58">
+            <a:extLst>
+              <a:ext uri="{FF2B5EF4-FFF2-40B4-BE49-F238E27FC236}">
+                <a16:creationId xmlns:a16="http://schemas.microsoft.com/office/drawing/2014/main" id="{C42BF33B-A5C1-4940-A79B-DF4525E90CD4}"/>
+              </a:ext>
+            </a:extLst>
+          </p:cNvPr>
+          <p:cNvSpPr/>
+          <p:nvPr/>
+        </p:nvSpPr>
+        <p:spPr>
+          <a:xfrm>
+            <a:off x="2427580" y="1229032"/>
+            <a:ext cx="819590" cy="3749939"/>
+          </a:xfrm>
+          <a:prstGeom prst="roundRect">
+            <a:avLst/>
+          </a:prstGeom>
+          <a:noFill/>
+        </p:spPr>
+        <p:style>
+          <a:lnRef idx="2">
+            <a:schemeClr val="accent1">
+              <a:shade val="50000"/>
+            </a:schemeClr>
+          </a:lnRef>
+          <a:fillRef idx="1">
+            <a:schemeClr val="accent1"/>
+          </a:fillRef>
+          <a:effectRef idx="0">
+            <a:schemeClr val="accent1"/>
+          </a:effectRef>
+          <a:fontRef idx="minor">
+            <a:schemeClr val="lt1"/>
+          </a:fontRef>
+        </p:style>
+        <p:txBody>
+          <a:bodyPr rtlCol="0" anchor="ctr"/>
+          <a:lstStyle/>
+          <a:p>
+            <a:pPr algn="ctr"/>
+            <a:endParaRPr lang="en-US"/>
+          </a:p>
+        </p:txBody>
+      </p:sp>
     </p:spTree>
     <p:extLst>
       <p:ext uri="{BB962C8B-B14F-4D97-AF65-F5344CB8AC3E}">
